--- a/Pamphlet/Hanggies Panel.pptx
+++ b/Pamphlet/Hanggies Panel.pptx
@@ -259,7 +259,7 @@
           <a:p>
             <a:fld id="{F2FBEA0F-6E54-445A-AB82-3230F0799B3D}" type="datetimeFigureOut">
               <a:rPr lang="ko-KR" altLang="en-US" smtClean="0"/>
-              <a:t>2019-05-21</a:t>
+              <a:t>2019-05-23</a:t>
             </a:fld>
             <a:endParaRPr lang="ko-KR" altLang="en-US"/>
           </a:p>
@@ -457,7 +457,7 @@
           <a:p>
             <a:fld id="{F2FBEA0F-6E54-445A-AB82-3230F0799B3D}" type="datetimeFigureOut">
               <a:rPr lang="ko-KR" altLang="en-US" smtClean="0"/>
-              <a:t>2019-05-21</a:t>
+              <a:t>2019-05-23</a:t>
             </a:fld>
             <a:endParaRPr lang="ko-KR" altLang="en-US"/>
           </a:p>
@@ -665,7 +665,7 @@
           <a:p>
             <a:fld id="{F2FBEA0F-6E54-445A-AB82-3230F0799B3D}" type="datetimeFigureOut">
               <a:rPr lang="ko-KR" altLang="en-US" smtClean="0"/>
-              <a:t>2019-05-21</a:t>
+              <a:t>2019-05-23</a:t>
             </a:fld>
             <a:endParaRPr lang="ko-KR" altLang="en-US"/>
           </a:p>
@@ -863,7 +863,7 @@
           <a:p>
             <a:fld id="{F2FBEA0F-6E54-445A-AB82-3230F0799B3D}" type="datetimeFigureOut">
               <a:rPr lang="ko-KR" altLang="en-US" smtClean="0"/>
-              <a:t>2019-05-21</a:t>
+              <a:t>2019-05-23</a:t>
             </a:fld>
             <a:endParaRPr lang="ko-KR" altLang="en-US"/>
           </a:p>
@@ -1138,7 +1138,7 @@
           <a:p>
             <a:fld id="{F2FBEA0F-6E54-445A-AB82-3230F0799B3D}" type="datetimeFigureOut">
               <a:rPr lang="ko-KR" altLang="en-US" smtClean="0"/>
-              <a:t>2019-05-21</a:t>
+              <a:t>2019-05-23</a:t>
             </a:fld>
             <a:endParaRPr lang="ko-KR" altLang="en-US"/>
           </a:p>
@@ -1403,7 +1403,7 @@
           <a:p>
             <a:fld id="{F2FBEA0F-6E54-445A-AB82-3230F0799B3D}" type="datetimeFigureOut">
               <a:rPr lang="ko-KR" altLang="en-US" smtClean="0"/>
-              <a:t>2019-05-21</a:t>
+              <a:t>2019-05-23</a:t>
             </a:fld>
             <a:endParaRPr lang="ko-KR" altLang="en-US"/>
           </a:p>
@@ -1815,7 +1815,7 @@
           <a:p>
             <a:fld id="{F2FBEA0F-6E54-445A-AB82-3230F0799B3D}" type="datetimeFigureOut">
               <a:rPr lang="ko-KR" altLang="en-US" smtClean="0"/>
-              <a:t>2019-05-21</a:t>
+              <a:t>2019-05-23</a:t>
             </a:fld>
             <a:endParaRPr lang="ko-KR" altLang="en-US"/>
           </a:p>
@@ -1956,7 +1956,7 @@
           <a:p>
             <a:fld id="{F2FBEA0F-6E54-445A-AB82-3230F0799B3D}" type="datetimeFigureOut">
               <a:rPr lang="ko-KR" altLang="en-US" smtClean="0"/>
-              <a:t>2019-05-21</a:t>
+              <a:t>2019-05-23</a:t>
             </a:fld>
             <a:endParaRPr lang="ko-KR" altLang="en-US"/>
           </a:p>
@@ -2069,7 +2069,7 @@
           <a:p>
             <a:fld id="{F2FBEA0F-6E54-445A-AB82-3230F0799B3D}" type="datetimeFigureOut">
               <a:rPr lang="ko-KR" altLang="en-US" smtClean="0"/>
-              <a:t>2019-05-21</a:t>
+              <a:t>2019-05-23</a:t>
             </a:fld>
             <a:endParaRPr lang="ko-KR" altLang="en-US"/>
           </a:p>
@@ -2380,7 +2380,7 @@
           <a:p>
             <a:fld id="{F2FBEA0F-6E54-445A-AB82-3230F0799B3D}" type="datetimeFigureOut">
               <a:rPr lang="ko-KR" altLang="en-US" smtClean="0"/>
-              <a:t>2019-05-21</a:t>
+              <a:t>2019-05-23</a:t>
             </a:fld>
             <a:endParaRPr lang="ko-KR" altLang="en-US"/>
           </a:p>
@@ -2668,7 +2668,7 @@
           <a:p>
             <a:fld id="{F2FBEA0F-6E54-445A-AB82-3230F0799B3D}" type="datetimeFigureOut">
               <a:rPr lang="ko-KR" altLang="en-US" smtClean="0"/>
-              <a:t>2019-05-21</a:t>
+              <a:t>2019-05-23</a:t>
             </a:fld>
             <a:endParaRPr lang="ko-KR" altLang="en-US"/>
           </a:p>
@@ -2909,7 +2909,7 @@
           <a:p>
             <a:fld id="{F2FBEA0F-6E54-445A-AB82-3230F0799B3D}" type="datetimeFigureOut">
               <a:rPr lang="ko-KR" altLang="en-US" smtClean="0"/>
-              <a:t>2019-05-21</a:t>
+              <a:t>2019-05-23</a:t>
             </a:fld>
             <a:endParaRPr lang="ko-KR" altLang="en-US"/>
           </a:p>
@@ -3326,6 +3326,51 @@
           <a:chExt cx="0" cy="0"/>
         </a:xfrm>
       </p:grpSpPr>
+      <p:pic>
+        <p:nvPicPr>
+          <p:cNvPr id="1025" name="_x221009608">
+            <a:extLst>
+              <a:ext uri="{FF2B5EF4-FFF2-40B4-BE49-F238E27FC236}">
+                <a16:creationId xmlns:a16="http://schemas.microsoft.com/office/drawing/2014/main" id="{FC8A9386-9AED-4ED3-954C-A1FE3190DF5D}"/>
+              </a:ext>
+            </a:extLst>
+          </p:cNvPr>
+          <p:cNvPicPr>
+            <a:picLocks noChangeAspect="1" noChangeArrowheads="1"/>
+          </p:cNvPicPr>
+          <p:nvPr/>
+        </p:nvPicPr>
+        <p:blipFill>
+          <a:blip r:embed="rId2">
+            <a:extLst>
+              <a:ext uri="{28A0092B-C50C-407E-A947-70E740481C1C}">
+                <a14:useLocalDpi xmlns:a14="http://schemas.microsoft.com/office/drawing/2010/main" val="0"/>
+              </a:ext>
+            </a:extLst>
+          </a:blip>
+          <a:srcRect/>
+          <a:stretch/>
+        </p:blipFill>
+        <p:spPr bwMode="auto">
+          <a:xfrm>
+            <a:off x="9671415" y="12444053"/>
+            <a:ext cx="11093006" cy="4925111"/>
+          </a:xfrm>
+          <a:prstGeom prst="rect">
+            <a:avLst/>
+          </a:prstGeom>
+          <a:noFill/>
+          <a:extLst>
+            <a:ext uri="{909E8E84-426E-40DD-AFC4-6F175D3DCCD1}">
+              <a14:hiddenFill xmlns:a14="http://schemas.microsoft.com/office/drawing/2010/main">
+                <a:solidFill>
+                  <a:srgbClr val="FFFFFF"/>
+                </a:solidFill>
+              </a14:hiddenFill>
+            </a:ext>
+          </a:extLst>
+        </p:spPr>
+      </p:pic>
       <p:sp>
         <p:nvSpPr>
           <p:cNvPr id="32" name="TextBox 31">
@@ -3340,7 +3385,7 @@
         </p:nvSpPr>
         <p:spPr>
           <a:xfrm>
-            <a:off x="494394" y="3621705"/>
+            <a:off x="481228" y="3642504"/>
             <a:ext cx="10295999" cy="6586418"/>
           </a:xfrm>
           <a:prstGeom prst="rect">
@@ -3378,7 +3423,7 @@
         </p:nvSpPr>
         <p:spPr>
           <a:xfrm>
-            <a:off x="9187520" y="8626113"/>
+            <a:off x="9233240" y="9174753"/>
             <a:ext cx="755745" cy="359718"/>
           </a:xfrm>
           <a:prstGeom prst="rect">
@@ -3439,7 +3484,7 @@
         </p:nvCxnSpPr>
         <p:spPr>
           <a:xfrm>
-            <a:off x="7428463" y="5467682"/>
+            <a:off x="7474183" y="6016322"/>
             <a:ext cx="1241730" cy="0"/>
           </a:xfrm>
           <a:prstGeom prst="straightConnector1">
@@ -3480,7 +3525,7 @@
         </p:nvCxnSpPr>
         <p:spPr>
           <a:xfrm flipH="1">
-            <a:off x="7451836" y="5680634"/>
+            <a:off x="7497556" y="6229274"/>
             <a:ext cx="1181192" cy="0"/>
           </a:xfrm>
           <a:prstGeom prst="straightConnector1">
@@ -3520,36 +3565,6 @@
           <p:nvPr/>
         </p:nvPicPr>
         <p:blipFill>
-          <a:blip r:embed="rId2"/>
-          <a:stretch>
-            <a:fillRect/>
-          </a:stretch>
-        </p:blipFill>
-        <p:spPr>
-          <a:xfrm>
-            <a:off x="5194003" y="5063073"/>
-            <a:ext cx="366645" cy="411796"/>
-          </a:xfrm>
-          <a:prstGeom prst="rect">
-            <a:avLst/>
-          </a:prstGeom>
-        </p:spPr>
-      </p:pic>
-      <p:pic>
-        <p:nvPicPr>
-          <p:cNvPr id="8" name="그래픽 20" descr="데이터베이스">
-            <a:extLst>
-              <a:ext uri="{FF2B5EF4-FFF2-40B4-BE49-F238E27FC236}">
-                <a16:creationId xmlns:a16="http://schemas.microsoft.com/office/drawing/2014/main" id="{10D98FC5-FBC8-45AA-9400-3DAABE100AC1}"/>
-              </a:ext>
-            </a:extLst>
-          </p:cNvPr>
-          <p:cNvPicPr>
-            <a:picLocks noChangeAspect="1"/>
-          </p:cNvPicPr>
-          <p:nvPr/>
-        </p:nvPicPr>
-        <p:blipFill>
           <a:blip r:embed="rId3"/>
           <a:stretch>
             <a:fillRect/>
@@ -3557,8 +3572,8 @@
         </p:blipFill>
         <p:spPr>
           <a:xfrm>
-            <a:off x="8531670" y="4796882"/>
-            <a:ext cx="1848416" cy="1670256"/>
+            <a:off x="5239723" y="5611713"/>
+            <a:ext cx="366645" cy="411796"/>
           </a:xfrm>
           <a:prstGeom prst="rect">
             <a:avLst/>
@@ -3567,10 +3582,10 @@
       </p:pic>
       <p:pic>
         <p:nvPicPr>
-          <p:cNvPr id="9" name="그림 8">
-            <a:extLst>
-              <a:ext uri="{FF2B5EF4-FFF2-40B4-BE49-F238E27FC236}">
-                <a16:creationId xmlns:a16="http://schemas.microsoft.com/office/drawing/2014/main" id="{1C7A0C22-D47E-48F7-91E6-38AAD1C55FCA}"/>
+          <p:cNvPr id="8" name="그래픽 20" descr="데이터베이스">
+            <a:extLst>
+              <a:ext uri="{FF2B5EF4-FFF2-40B4-BE49-F238E27FC236}">
+                <a16:creationId xmlns:a16="http://schemas.microsoft.com/office/drawing/2014/main" id="{10D98FC5-FBC8-45AA-9400-3DAABE100AC1}"/>
               </a:ext>
             </a:extLst>
           </p:cNvPr>
@@ -3587,7 +3602,37 @@
         </p:blipFill>
         <p:spPr>
           <a:xfrm>
-            <a:off x="6185018" y="4775587"/>
+            <a:off x="8577390" y="5345522"/>
+            <a:ext cx="1848416" cy="1670256"/>
+          </a:xfrm>
+          <a:prstGeom prst="rect">
+            <a:avLst/>
+          </a:prstGeom>
+        </p:spPr>
+      </p:pic>
+      <p:pic>
+        <p:nvPicPr>
+          <p:cNvPr id="9" name="그림 8">
+            <a:extLst>
+              <a:ext uri="{FF2B5EF4-FFF2-40B4-BE49-F238E27FC236}">
+                <a16:creationId xmlns:a16="http://schemas.microsoft.com/office/drawing/2014/main" id="{1C7A0C22-D47E-48F7-91E6-38AAD1C55FCA}"/>
+              </a:ext>
+            </a:extLst>
+          </p:cNvPr>
+          <p:cNvPicPr>
+            <a:picLocks noChangeAspect="1"/>
+          </p:cNvPicPr>
+          <p:nvPr/>
+        </p:nvPicPr>
+        <p:blipFill>
+          <a:blip r:embed="rId5"/>
+          <a:stretch>
+            <a:fillRect/>
+          </a:stretch>
+        </p:blipFill>
+        <p:spPr>
+          <a:xfrm>
+            <a:off x="6230738" y="5324227"/>
             <a:ext cx="1018907" cy="1626423"/>
           </a:xfrm>
           <a:prstGeom prst="rect">
@@ -3611,7 +3656,7 @@
         </p:nvCxnSpPr>
         <p:spPr>
           <a:xfrm flipH="1">
-            <a:off x="4721869" y="6468558"/>
+            <a:off x="4767589" y="7017198"/>
             <a:ext cx="1261987" cy="696709"/>
           </a:xfrm>
           <a:prstGeom prst="straightConnector1">
@@ -3652,7 +3697,7 @@
         </p:nvCxnSpPr>
         <p:spPr>
           <a:xfrm flipV="1">
-            <a:off x="4642401" y="5563510"/>
+            <a:off x="4688121" y="6112150"/>
             <a:ext cx="1455437" cy="18456"/>
           </a:xfrm>
           <a:prstGeom prst="straightConnector1">
@@ -3693,7 +3738,7 @@
         </p:nvCxnSpPr>
         <p:spPr>
           <a:xfrm>
-            <a:off x="7344320" y="6468558"/>
+            <a:off x="7390040" y="7017198"/>
             <a:ext cx="1210332" cy="696709"/>
           </a:xfrm>
           <a:prstGeom prst="straightConnector1">
@@ -3732,7 +3777,7 @@
         </p:nvSpPr>
         <p:spPr>
           <a:xfrm>
-            <a:off x="6231765" y="6383377"/>
+            <a:off x="6277485" y="6932017"/>
             <a:ext cx="939441" cy="319192"/>
           </a:xfrm>
           <a:prstGeom prst="rect">
@@ -3791,7 +3836,7 @@
         </p:nvSpPr>
         <p:spPr>
           <a:xfrm>
-            <a:off x="3249369" y="6021359"/>
+            <a:off x="3295089" y="6569999"/>
             <a:ext cx="1018908" cy="362018"/>
           </a:xfrm>
           <a:prstGeom prst="rect">
@@ -3850,7 +3895,7 @@
         </p:nvSpPr>
         <p:spPr>
           <a:xfrm>
-            <a:off x="9187520" y="6365451"/>
+            <a:off x="9233240" y="6914091"/>
             <a:ext cx="554482" cy="319192"/>
           </a:xfrm>
           <a:prstGeom prst="rect">
@@ -3901,36 +3946,6 @@
             <a:extLst>
               <a:ext uri="{FF2B5EF4-FFF2-40B4-BE49-F238E27FC236}">
                 <a16:creationId xmlns:a16="http://schemas.microsoft.com/office/drawing/2014/main" id="{15CE0947-01C4-4BD9-BF24-E241F18F6A30}"/>
-              </a:ext>
-            </a:extLst>
-          </p:cNvPr>
-          <p:cNvPicPr>
-            <a:picLocks noChangeAspect="1"/>
-          </p:cNvPicPr>
-          <p:nvPr/>
-        </p:nvPicPr>
-        <p:blipFill>
-          <a:blip r:embed="rId5"/>
-          <a:stretch>
-            <a:fillRect/>
-          </a:stretch>
-        </p:blipFill>
-        <p:spPr>
-          <a:xfrm>
-            <a:off x="8625161" y="6990290"/>
-            <a:ext cx="1739030" cy="1950554"/>
-          </a:xfrm>
-          <a:prstGeom prst="rect">
-            <a:avLst/>
-          </a:prstGeom>
-        </p:spPr>
-      </p:pic>
-      <p:pic>
-        <p:nvPicPr>
-          <p:cNvPr id="17" name="그래픽 18" descr="스마트폰">
-            <a:extLst>
-              <a:ext uri="{FF2B5EF4-FFF2-40B4-BE49-F238E27FC236}">
-                <a16:creationId xmlns:a16="http://schemas.microsoft.com/office/drawing/2014/main" id="{87C1324B-E9D8-42B3-8267-7632696128E9}"/>
               </a:ext>
             </a:extLst>
           </p:cNvPr>
@@ -3946,15 +3961,45 @@
           </a:stretch>
         </p:blipFill>
         <p:spPr>
-          <a:xfrm rot="10800000">
-            <a:off x="3090432" y="7128709"/>
-            <a:ext cx="1852467" cy="1857121"/>
+          <a:xfrm>
+            <a:off x="8670881" y="7538930"/>
+            <a:ext cx="1739030" cy="1950554"/>
           </a:xfrm>
           <a:prstGeom prst="rect">
             <a:avLst/>
           </a:prstGeom>
         </p:spPr>
       </p:pic>
+      <p:pic>
+        <p:nvPicPr>
+          <p:cNvPr id="17" name="그래픽 18" descr="스마트폰">
+            <a:extLst>
+              <a:ext uri="{FF2B5EF4-FFF2-40B4-BE49-F238E27FC236}">
+                <a16:creationId xmlns:a16="http://schemas.microsoft.com/office/drawing/2014/main" id="{87C1324B-E9D8-42B3-8267-7632696128E9}"/>
+              </a:ext>
+            </a:extLst>
+          </p:cNvPr>
+          <p:cNvPicPr>
+            <a:picLocks noChangeAspect="1"/>
+          </p:cNvPicPr>
+          <p:nvPr/>
+        </p:nvPicPr>
+        <p:blipFill>
+          <a:blip r:embed="rId7"/>
+          <a:stretch>
+            <a:fillRect/>
+          </a:stretch>
+        </p:blipFill>
+        <p:spPr>
+          <a:xfrm rot="10800000">
+            <a:off x="3136152" y="7677349"/>
+            <a:ext cx="1852467" cy="1857121"/>
+          </a:xfrm>
+          <a:prstGeom prst="rect">
+            <a:avLst/>
+          </a:prstGeom>
+        </p:spPr>
+      </p:pic>
       <p:sp>
         <p:nvSpPr>
           <p:cNvPr id="19" name="Text Box 17">
@@ -3969,7 +4014,7 @@
         </p:nvSpPr>
         <p:spPr>
           <a:xfrm>
-            <a:off x="3675974" y="8925881"/>
+            <a:off x="3721694" y="9474521"/>
             <a:ext cx="755745" cy="387545"/>
           </a:xfrm>
           <a:prstGeom prst="rect">
@@ -4029,7 +4074,7 @@
           <p:nvPr/>
         </p:nvPicPr>
         <p:blipFill>
-          <a:blip r:embed="rId7" cstate="print">
+          <a:blip r:embed="rId8" cstate="print">
             <a:extLst>
               <a:ext uri="{28A0092B-C50C-407E-A947-70E740481C1C}">
                 <a14:useLocalDpi xmlns:a14="http://schemas.microsoft.com/office/drawing/2010/main" val="0"/>
@@ -4043,7 +4088,7 @@
         </p:blipFill>
         <p:spPr bwMode="auto">
           <a:xfrm>
-            <a:off x="940115" y="4860767"/>
+            <a:off x="985835" y="5409407"/>
             <a:ext cx="1400745" cy="1369194"/>
           </a:xfrm>
           <a:prstGeom prst="rect">
@@ -4070,7 +4115,7 @@
           <p:nvPr/>
         </p:nvPicPr>
         <p:blipFill>
-          <a:blip r:embed="rId8" cstate="print">
+          <a:blip r:embed="rId9" cstate="print">
             <a:extLst>
               <a:ext uri="{28A0092B-C50C-407E-A947-70E740481C1C}">
                 <a14:useLocalDpi xmlns:a14="http://schemas.microsoft.com/office/drawing/2010/main" val="0"/>
@@ -4084,7 +4129,7 @@
         </p:blipFill>
         <p:spPr bwMode="auto">
           <a:xfrm>
-            <a:off x="1435624" y="5276024"/>
+            <a:off x="1481344" y="5824664"/>
             <a:ext cx="416273" cy="474085"/>
           </a:xfrm>
           <a:prstGeom prst="rect">
@@ -4111,7 +4156,7 @@
           <p:nvPr/>
         </p:nvPicPr>
         <p:blipFill>
-          <a:blip r:embed="rId9" cstate="print">
+          <a:blip r:embed="rId10" cstate="print">
             <a:extLst>
               <a:ext uri="{28A0092B-C50C-407E-A947-70E740481C1C}">
                 <a14:useLocalDpi xmlns:a14="http://schemas.microsoft.com/office/drawing/2010/main" val="0"/>
@@ -4125,7 +4170,7 @@
         </p:blipFill>
         <p:spPr bwMode="auto">
           <a:xfrm>
-            <a:off x="2996941" y="4914006"/>
+            <a:off x="3042661" y="5462646"/>
             <a:ext cx="1569887" cy="1144264"/>
           </a:xfrm>
           <a:prstGeom prst="rect">
@@ -4151,7 +4196,7 @@
         </p:nvCxnSpPr>
         <p:spPr>
           <a:xfrm>
-            <a:off x="1912432" y="5659339"/>
+            <a:off x="1958152" y="6207979"/>
             <a:ext cx="1131253" cy="308780"/>
           </a:xfrm>
           <a:prstGeom prst="line">
@@ -4196,7 +4241,7 @@
         </p:nvCxnSpPr>
         <p:spPr>
           <a:xfrm flipV="1">
-            <a:off x="1912432" y="5020483"/>
+            <a:off x="1958152" y="5569123"/>
             <a:ext cx="1121203" cy="319161"/>
           </a:xfrm>
           <a:prstGeom prst="line">
@@ -4242,13 +4287,13 @@
           <p:nvPr/>
         </p:nvPicPr>
         <p:blipFill>
-          <a:blip r:embed="rId10" cstate="print">
+          <a:blip r:embed="rId11" cstate="print">
             <a:extLst>
               <a:ext uri="{28A0092B-C50C-407E-A947-70E740481C1C}">
                 <a14:useLocalDpi xmlns:a14="http://schemas.microsoft.com/office/drawing/2010/main" val="0"/>
               </a:ext>
               <a:ext uri="{96DAC541-7B7A-43D3-8B79-37D633B846F1}">
-                <asvg:svgBlip xmlns:asvg="http://schemas.microsoft.com/office/drawing/2016/SVG/main" r:embed="rId11"/>
+                <asvg:svgBlip xmlns:asvg="http://schemas.microsoft.com/office/drawing/2016/SVG/main" r:embed="rId12"/>
               </a:ext>
             </a:extLst>
           </a:blip>
@@ -4258,7 +4303,7 @@
         </p:blipFill>
         <p:spPr>
           <a:xfrm>
-            <a:off x="1398227" y="4264501"/>
+            <a:off x="1490247" y="4813141"/>
             <a:ext cx="432479" cy="535220"/>
           </a:xfrm>
           <a:prstGeom prst="rect">
@@ -4397,7 +4442,7 @@
               <a:t> </a:t>
             </a:r>
             <a:r>
-              <a:rPr lang="en-US" altLang="ko-KR" sz="4275" b="1" dirty="0" err="1">
+              <a:rPr lang="en-US" altLang="ko-KR" sz="4275" b="1" dirty="0">
                 <a:effectLst>
                   <a:outerShdw blurRad="38100" dist="38100" dir="2700000" algn="tl">
                     <a:srgbClr val="000000">
@@ -4406,7 +4451,7 @@
                   </a:outerShdw>
                 </a:effectLst>
               </a:rPr>
-              <a:t>Iot</a:t>
+              <a:t>IoT</a:t>
             </a:r>
             <a:r>
               <a:rPr lang="ko-KR" altLang="en-US" sz="3663" dirty="0"/>
@@ -4499,7 +4544,7 @@
           <p:nvPr/>
         </p:nvPicPr>
         <p:blipFill>
-          <a:blip r:embed="rId12">
+          <a:blip r:embed="rId13">
             <a:extLst>
               <a:ext uri="{28A0092B-C50C-407E-A947-70E740481C1C}">
                 <a14:useLocalDpi xmlns:a14="http://schemas.microsoft.com/office/drawing/2010/main" val="0"/>
@@ -4614,7 +4659,7 @@
         </p:nvSpPr>
         <p:spPr>
           <a:xfrm>
-            <a:off x="4669254" y="3294108"/>
+            <a:off x="4714974" y="3339828"/>
             <a:ext cx="2112546" cy="609077"/>
           </a:xfrm>
           <a:prstGeom prst="rect">
@@ -4631,7 +4676,7 @@
             <a:r>
               <a:rPr lang="en-US" altLang="ko-KR" sz="3358" dirty="0">
                 <a:solidFill>
-                  <a:schemeClr val="bg1"/>
+                  <a:srgbClr val="ECFDFE"/>
                 </a:solidFill>
                 <a:highlight>
                   <a:srgbClr val="ECFDFE"/>
@@ -4650,218 +4695,22 @@
             <a:r>
               <a:rPr lang="en-US" altLang="ko-KR" sz="3358" dirty="0">
                 <a:solidFill>
-                  <a:schemeClr val="bg1"/>
+                  <a:srgbClr val="ECFDFE"/>
                 </a:solidFill>
                 <a:highlight>
                   <a:srgbClr val="ECFDFE"/>
                 </a:highlight>
               </a:rPr>
-              <a:t>1</a:t>
+              <a:t>0</a:t>
             </a:r>
             <a:endParaRPr lang="ko-KR" altLang="en-US" sz="3358" dirty="0">
               <a:solidFill>
-                <a:schemeClr val="bg1"/>
+                <a:srgbClr val="ECFDFE"/>
               </a:solidFill>
               <a:highlight>
                 <a:srgbClr val="ECFDFE"/>
               </a:highlight>
             </a:endParaRPr>
-          </a:p>
-        </p:txBody>
-      </p:sp>
-      <p:sp>
-        <p:nvSpPr>
-          <p:cNvPr id="33" name="TextBox 32">
-            <a:extLst>
-              <a:ext uri="{FF2B5EF4-FFF2-40B4-BE49-F238E27FC236}">
-                <a16:creationId xmlns:a16="http://schemas.microsoft.com/office/drawing/2014/main" id="{FD6D9057-02B9-4A61-A8C0-9DD3FE755B7A}"/>
-              </a:ext>
-            </a:extLst>
-          </p:cNvPr>
-          <p:cNvSpPr txBox="1"/>
-          <p:nvPr/>
-        </p:nvSpPr>
-        <p:spPr>
-          <a:xfrm>
-            <a:off x="11285903" y="3621705"/>
-            <a:ext cx="9603327" cy="1985159"/>
-          </a:xfrm>
-          <a:prstGeom prst="rect">
-            <a:avLst/>
-          </a:prstGeom>
-          <a:noFill/>
-          <a:ln w="28575">
-            <a:solidFill>
-              <a:srgbClr val="0070C0"/>
-            </a:solidFill>
-            <a:prstDash val="solid"/>
-          </a:ln>
-        </p:spPr>
-        <p:txBody>
-          <a:bodyPr wrap="square" rtlCol="0">
-            <a:spAutoFit/>
-          </a:bodyPr>
-          <a:lstStyle/>
-          <a:p>
-            <a:endParaRPr lang="ko-KR" altLang="en-US" sz="12300" dirty="0"/>
-          </a:p>
-        </p:txBody>
-      </p:sp>
-      <p:sp>
-        <p:nvSpPr>
-          <p:cNvPr id="34" name="TextBox 33">
-            <a:extLst>
-              <a:ext uri="{FF2B5EF4-FFF2-40B4-BE49-F238E27FC236}">
-                <a16:creationId xmlns:a16="http://schemas.microsoft.com/office/drawing/2014/main" id="{DE9267A8-8CEE-4B21-A040-F26F9C48F354}"/>
-              </a:ext>
-            </a:extLst>
-          </p:cNvPr>
-          <p:cNvSpPr txBox="1"/>
-          <p:nvPr/>
-        </p:nvSpPr>
-        <p:spPr>
-          <a:xfrm>
-            <a:off x="15133460" y="3294108"/>
-            <a:ext cx="1882074" cy="609077"/>
-          </a:xfrm>
-          <a:prstGeom prst="rect">
-            <a:avLst/>
-          </a:prstGeom>
-          <a:noFill/>
-        </p:spPr>
-        <p:txBody>
-          <a:bodyPr wrap="square" rtlCol="0">
-            <a:spAutoFit/>
-          </a:bodyPr>
-          <a:lstStyle/>
-          <a:p>
-            <a:r>
-              <a:rPr lang="en-US" altLang="ko-KR" sz="3358" dirty="0">
-                <a:solidFill>
-                  <a:schemeClr val="bg1"/>
-                </a:solidFill>
-                <a:highlight>
-                  <a:srgbClr val="ECFDFE"/>
-                </a:highlight>
-              </a:rPr>
-              <a:t>0</a:t>
-            </a:r>
-            <a:r>
-              <a:rPr lang="ko-KR" altLang="en-US" sz="3358" dirty="0">
-                <a:highlight>
-                  <a:srgbClr val="ECFDFE"/>
-                </a:highlight>
-              </a:rPr>
-              <a:t>기</a:t>
-            </a:r>
-            <a:r>
-              <a:rPr lang="en-US" altLang="ko-KR" sz="3358" dirty="0">
-                <a:highlight>
-                  <a:srgbClr val="ECFDFE"/>
-                </a:highlight>
-              </a:rPr>
-              <a:t>  </a:t>
-            </a:r>
-            <a:r>
-              <a:rPr lang="ko-KR" altLang="en-US" sz="3358" dirty="0">
-                <a:highlight>
-                  <a:srgbClr val="ECFDFE"/>
-                </a:highlight>
-              </a:rPr>
-              <a:t>능</a:t>
-            </a:r>
-            <a:r>
-              <a:rPr lang="en-US" altLang="ko-KR" sz="3358" dirty="0">
-                <a:solidFill>
-                  <a:schemeClr val="bg1"/>
-                </a:solidFill>
-                <a:highlight>
-                  <a:srgbClr val="ECFDFE"/>
-                </a:highlight>
-              </a:rPr>
-              <a:t>0</a:t>
-            </a:r>
-            <a:endParaRPr lang="ko-KR" altLang="en-US" sz="3358" dirty="0">
-              <a:solidFill>
-                <a:schemeClr val="bg1"/>
-              </a:solidFill>
-              <a:highlight>
-                <a:srgbClr val="ECFDFE"/>
-              </a:highlight>
-            </a:endParaRPr>
-          </a:p>
-        </p:txBody>
-      </p:sp>
-      <p:sp>
-        <p:nvSpPr>
-          <p:cNvPr id="3" name="TextBox 2">
-            <a:extLst>
-              <a:ext uri="{FF2B5EF4-FFF2-40B4-BE49-F238E27FC236}">
-                <a16:creationId xmlns:a16="http://schemas.microsoft.com/office/drawing/2014/main" id="{0DF26B12-8F40-489F-A95C-924371E23A1D}"/>
-              </a:ext>
-            </a:extLst>
-          </p:cNvPr>
-          <p:cNvSpPr txBox="1"/>
-          <p:nvPr/>
-        </p:nvSpPr>
-        <p:spPr>
-          <a:xfrm>
-            <a:off x="11582399" y="4165986"/>
-            <a:ext cx="5051018" cy="1200329"/>
-          </a:xfrm>
-          <a:prstGeom prst="rect">
-            <a:avLst/>
-          </a:prstGeom>
-          <a:noFill/>
-        </p:spPr>
-        <p:txBody>
-          <a:bodyPr wrap="square" rtlCol="0">
-            <a:spAutoFit/>
-          </a:bodyPr>
-          <a:lstStyle/>
-          <a:p>
-            <a:r>
-              <a:rPr lang="en-US" altLang="ko-KR" sz="2400" dirty="0"/>
-              <a:t>1. </a:t>
-            </a:r>
-            <a:r>
-              <a:rPr lang="ko-KR" altLang="en-US" sz="2400" dirty="0"/>
-              <a:t>용변 감지 및 </a:t>
-            </a:r>
-            <a:r>
-              <a:rPr lang="ko-KR" altLang="en-US" sz="2400" dirty="0" err="1"/>
-              <a:t>실시산</a:t>
-            </a:r>
-            <a:r>
-              <a:rPr lang="ko-KR" altLang="en-US" sz="2400" dirty="0"/>
-              <a:t> 모니터링</a:t>
-            </a:r>
-            <a:endParaRPr lang="en-US" altLang="ko-KR" sz="2400" dirty="0"/>
-          </a:p>
-          <a:p>
-            <a:r>
-              <a:rPr lang="en-US" altLang="ko-KR" sz="2400" dirty="0"/>
-              <a:t>2. </a:t>
-            </a:r>
-            <a:r>
-              <a:rPr lang="ko-KR" altLang="en-US" sz="2400" dirty="0"/>
-              <a:t>용변 감지 알림 및 </a:t>
-            </a:r>
-            <a:r>
-              <a:rPr lang="ko-KR" altLang="en-US" sz="2400" dirty="0" err="1"/>
-              <a:t>재알림</a:t>
-            </a:r>
-            <a:endParaRPr lang="en-US" altLang="ko-KR" sz="2400" dirty="0"/>
-          </a:p>
-          <a:p>
-            <a:r>
-              <a:rPr lang="en-US" altLang="ko-KR" sz="2400" dirty="0"/>
-              <a:t>3. </a:t>
-            </a:r>
-            <a:r>
-              <a:rPr lang="ko-KR" altLang="en-US" sz="2400" dirty="0"/>
-              <a:t>감지 및 교체 이력 조회</a:t>
-            </a:r>
           </a:p>
         </p:txBody>
       </p:sp>
@@ -5160,7 +5009,7 @@
         </p:nvSpPr>
         <p:spPr>
           <a:xfrm>
-            <a:off x="494394" y="10844846"/>
+            <a:off x="481228" y="10868466"/>
             <a:ext cx="20381768" cy="7786747"/>
           </a:xfrm>
           <a:prstGeom prst="rect">
@@ -5215,7 +5064,7 @@
             <a:r>
               <a:rPr lang="en-US" altLang="ko-KR" sz="3358" dirty="0">
                 <a:solidFill>
-                  <a:schemeClr val="bg1"/>
+                  <a:srgbClr val="ECFDFE"/>
                 </a:solidFill>
                 <a:highlight>
                   <a:srgbClr val="ECFDFE"/>
@@ -5234,7 +5083,7 @@
             <a:r>
               <a:rPr lang="en-US" altLang="ko-KR" sz="3358" dirty="0">
                 <a:solidFill>
-                  <a:schemeClr val="bg1"/>
+                  <a:srgbClr val="ECFDFE"/>
                 </a:solidFill>
                 <a:highlight>
                   <a:srgbClr val="ECFDFE"/>
@@ -5244,7 +5093,7 @@
             </a:r>
             <a:endParaRPr lang="ko-KR" altLang="en-US" sz="3358" dirty="0">
               <a:solidFill>
-                <a:schemeClr val="bg1"/>
+                <a:srgbClr val="ECFDFE"/>
               </a:solidFill>
               <a:highlight>
                 <a:srgbClr val="ECFDFE"/>
@@ -5305,7 +5154,7 @@
         </p:nvSpPr>
         <p:spPr>
           <a:xfrm>
-            <a:off x="4780100" y="18940239"/>
+            <a:off x="5313500" y="18940239"/>
             <a:ext cx="3994449" cy="609077"/>
           </a:xfrm>
           <a:prstGeom prst="rect">
@@ -5322,7 +5171,7 @@
             <a:r>
               <a:rPr lang="en-US" altLang="ko-KR" sz="3358" dirty="0">
                 <a:solidFill>
-                  <a:schemeClr val="bg1"/>
+                  <a:srgbClr val="ECFDFE"/>
                 </a:solidFill>
                 <a:highlight>
                   <a:srgbClr val="ECFDFE"/>
@@ -5336,12 +5185,12 @@
                   <a:srgbClr val="ECFDFE"/>
                 </a:highlight>
               </a:rPr>
-              <a:t>모바일</a:t>
+              <a:t>앱</a:t>
             </a:r>
             <a:r>
               <a:rPr lang="en-US" altLang="ko-KR" sz="3358" dirty="0">
                 <a:solidFill>
-                  <a:schemeClr val="bg1"/>
+                  <a:srgbClr val="ECFDFE"/>
                 </a:solidFill>
                 <a:highlight>
                   <a:srgbClr val="ECFDFE"/>
@@ -5351,7 +5200,7 @@
             </a:r>
             <a:endParaRPr lang="ko-KR" altLang="en-US" sz="3358" dirty="0">
               <a:solidFill>
-                <a:schemeClr val="bg1"/>
+                <a:srgbClr val="ECFDFE"/>
               </a:solidFill>
               <a:highlight>
                 <a:srgbClr val="ECFDFE"/>
@@ -5374,7 +5223,7 @@
         </p:nvSpPr>
         <p:spPr>
           <a:xfrm>
-            <a:off x="10790393" y="10517249"/>
+            <a:off x="10768012" y="10492847"/>
             <a:ext cx="10237159" cy="1487714"/>
           </a:xfrm>
           <a:prstGeom prst="rect">
@@ -5484,7 +5333,7 @@
         </p:nvSpPr>
         <p:spPr>
           <a:xfrm>
-            <a:off x="11272835" y="6174486"/>
+            <a:off x="11268799" y="3612585"/>
             <a:ext cx="9603327" cy="5262979"/>
           </a:xfrm>
           <a:prstGeom prst="rect">
@@ -5522,7 +5371,7 @@
         </p:nvSpPr>
         <p:spPr>
           <a:xfrm>
-            <a:off x="11572163" y="6626368"/>
+            <a:off x="11568127" y="4064467"/>
             <a:ext cx="9004669" cy="4462760"/>
           </a:xfrm>
           <a:prstGeom prst="rect">
@@ -5537,11 +5386,7 @@
           <a:lstStyle/>
           <a:p>
             <a:r>
-              <a:rPr lang="en-US" altLang="ko-KR" sz="2400" dirty="0"/>
-              <a:t>1. </a:t>
-            </a:r>
-            <a:r>
-              <a:rPr lang="ko-KR" altLang="en-US" sz="2800" dirty="0">
+              <a:rPr lang="en-US" altLang="ko-KR" sz="2800" b="1" dirty="0">
                 <a:effectLst>
                   <a:outerShdw blurRad="38100" dist="38100" dir="2700000" algn="tl">
                     <a:srgbClr val="000000">
@@ -5550,9 +5395,21 @@
                   </a:outerShdw>
                 </a:effectLst>
               </a:rPr>
+              <a:t>1. </a:t>
+            </a:r>
+            <a:r>
+              <a:rPr lang="ko-KR" altLang="en-US" sz="2800" b="1" dirty="0">
+                <a:effectLst>
+                  <a:outerShdw blurRad="38100" dist="38100" dir="2700000" algn="tl">
+                    <a:srgbClr val="000000">
+                      <a:alpha val="43137"/>
+                    </a:srgbClr>
+                  </a:outerShdw>
+                </a:effectLst>
+              </a:rPr>
               <a:t>용변 감지 및 실시간 모니터링</a:t>
             </a:r>
-            <a:endParaRPr lang="en-US" altLang="ko-KR" sz="2800" dirty="0">
+            <a:endParaRPr lang="en-US" altLang="ko-KR" sz="2800" b="1" dirty="0">
               <a:effectLst>
                 <a:outerShdw blurRad="38100" dist="38100" dir="2700000" algn="tl">
                   <a:srgbClr val="000000">
@@ -5584,7 +5441,7 @@
           <a:p>
             <a:r>
               <a:rPr lang="ko-KR" altLang="en-US" sz="2400" dirty="0"/>
-              <a:t>    실시간으로 간호인력 및 보호자에게 보여준다</a:t>
+              <a:t>    실시간으로 간병인 및 보호자에게 보여준다</a:t>
             </a:r>
             <a:r>
               <a:rPr lang="en-US" altLang="ko-KR" sz="2400" dirty="0"/>
@@ -5600,11 +5457,7 @@
           </a:p>
           <a:p>
             <a:r>
-              <a:rPr lang="en-US" altLang="ko-KR" sz="2400" dirty="0"/>
-              <a:t>2. </a:t>
-            </a:r>
-            <a:r>
-              <a:rPr lang="ko-KR" altLang="en-US" sz="2800" dirty="0">
+              <a:rPr lang="en-US" altLang="ko-KR" sz="2400" b="1" dirty="0">
                 <a:effectLst>
                   <a:outerShdw blurRad="38100" dist="38100" dir="2700000" algn="tl">
                     <a:srgbClr val="000000">
@@ -5613,10 +5466,10 @@
                   </a:outerShdw>
                 </a:effectLst>
               </a:rPr>
-              <a:t>용변 감지 알림 및 </a:t>
-            </a:r>
-            <a:r>
-              <a:rPr lang="ko-KR" altLang="en-US" sz="2800" dirty="0" err="1">
+              <a:t>2. </a:t>
+            </a:r>
+            <a:r>
+              <a:rPr lang="ko-KR" altLang="en-US" sz="2800" b="1" dirty="0">
                 <a:effectLst>
                   <a:outerShdw blurRad="38100" dist="38100" dir="2700000" algn="tl">
                     <a:srgbClr val="000000">
@@ -5625,9 +5478,9 @@
                   </a:outerShdw>
                 </a:effectLst>
               </a:rPr>
-              <a:t>재알림</a:t>
-            </a:r>
-            <a:endParaRPr lang="en-US" altLang="ko-KR" sz="2800" dirty="0">
+              <a:t>용변 감지 알림 및 재 알림</a:t>
+            </a:r>
+            <a:endParaRPr lang="en-US" altLang="ko-KR" sz="2800" b="1" dirty="0">
               <a:effectLst>
                 <a:outerShdw blurRad="38100" dist="38100" dir="2700000" algn="tl">
                   <a:srgbClr val="000000">
@@ -5644,15 +5497,7 @@
             </a:r>
             <a:r>
               <a:rPr lang="ko-KR" altLang="en-US" sz="2400" dirty="0"/>
-              <a:t>용변을 감지했다는 </a:t>
-            </a:r>
-            <a:r>
-              <a:rPr lang="ko-KR" altLang="en-US" sz="2400" dirty="0" err="1"/>
-              <a:t>푸시알림을</a:t>
-            </a:r>
-            <a:r>
-              <a:rPr lang="ko-KR" altLang="en-US" sz="2400" dirty="0"/>
-              <a:t> 간호인력에게 보여주고</a:t>
+              <a:t>용변을 감지했다는 푸시 알림을 간병인에게 보여주고</a:t>
             </a:r>
             <a:endParaRPr lang="en-US" altLang="ko-KR" sz="2400" dirty="0"/>
           </a:p>
@@ -5663,15 +5508,7 @@
             </a:r>
             <a:r>
               <a:rPr lang="ko-KR" altLang="en-US" sz="2400" dirty="0"/>
-              <a:t>교체가 될 때가지 주기석으로 재촉 </a:t>
-            </a:r>
-            <a:r>
-              <a:rPr lang="ko-KR" altLang="en-US" sz="2400" dirty="0" err="1"/>
-              <a:t>푸시알림을</a:t>
-            </a:r>
-            <a:r>
-              <a:rPr lang="ko-KR" altLang="en-US" sz="2400" dirty="0"/>
-              <a:t> 보낸다</a:t>
+              <a:t>교체가 될 때 까지 주기적으로 재촉 푸시 알림을 보낸다</a:t>
             </a:r>
             <a:r>
               <a:rPr lang="en-US" altLang="ko-KR" sz="2400" dirty="0"/>
@@ -5683,11 +5520,7 @@
           </a:p>
           <a:p>
             <a:r>
-              <a:rPr lang="en-US" altLang="ko-KR" sz="2400" dirty="0"/>
-              <a:t>3. </a:t>
-            </a:r>
-            <a:r>
-              <a:rPr lang="ko-KR" altLang="en-US" sz="2800" dirty="0">
+              <a:rPr lang="en-US" altLang="ko-KR" sz="2400" b="1" dirty="0">
                 <a:effectLst>
                   <a:outerShdw blurRad="38100" dist="38100" dir="2700000" algn="tl">
                     <a:srgbClr val="000000">
@@ -5696,9 +5529,21 @@
                   </a:outerShdw>
                 </a:effectLst>
               </a:rPr>
+              <a:t>3. </a:t>
+            </a:r>
+            <a:r>
+              <a:rPr lang="ko-KR" altLang="en-US" sz="2800" b="1" dirty="0">
+                <a:effectLst>
+                  <a:outerShdw blurRad="38100" dist="38100" dir="2700000" algn="tl">
+                    <a:srgbClr val="000000">
+                      <a:alpha val="43137"/>
+                    </a:srgbClr>
+                  </a:outerShdw>
+                </a:effectLst>
+              </a:rPr>
               <a:t>감지 및 교체 이력 조회</a:t>
             </a:r>
-            <a:endParaRPr lang="en-US" altLang="ko-KR" sz="2800" dirty="0">
+            <a:endParaRPr lang="en-US" altLang="ko-KR" sz="2800" b="1" dirty="0">
               <a:effectLst>
                 <a:outerShdw blurRad="38100" dist="38100" dir="2700000" algn="tl">
                   <a:srgbClr val="000000">
@@ -5715,7 +5560,7 @@
             </a:r>
             <a:r>
               <a:rPr lang="ko-KR" altLang="en-US" sz="2400" dirty="0"/>
-              <a:t>환자들의 용변감지 및 교체 이력 등 간호인력이 제공한</a:t>
+              <a:t>환자의 용변 감지 및 교체 이력 등 요양병원이 제공한</a:t>
             </a:r>
             <a:endParaRPr lang="en-US" altLang="ko-KR" sz="2400" dirty="0"/>
           </a:p>
@@ -5746,7 +5591,7 @@
         </p:nvSpPr>
         <p:spPr>
           <a:xfrm>
-            <a:off x="14853309" y="5897829"/>
+            <a:off x="15396761" y="3335928"/>
             <a:ext cx="2468514" cy="609077"/>
           </a:xfrm>
           <a:prstGeom prst="rect">
@@ -5763,7 +5608,7 @@
             <a:r>
               <a:rPr lang="en-US" altLang="ko-KR" sz="3358" dirty="0">
                 <a:solidFill>
-                  <a:schemeClr val="bg1"/>
+                  <a:srgbClr val="ECFDFE"/>
                 </a:solidFill>
                 <a:highlight>
                   <a:srgbClr val="ECFDFE"/>
@@ -5777,12 +5622,12 @@
                   <a:srgbClr val="ECFDFE"/>
                 </a:highlight>
               </a:rPr>
-              <a:t>기대효과</a:t>
+              <a:t>기능</a:t>
             </a:r>
             <a:r>
               <a:rPr lang="en-US" altLang="ko-KR" sz="3358" dirty="0">
                 <a:solidFill>
-                  <a:schemeClr val="bg1"/>
+                  <a:srgbClr val="ECFDFE"/>
                 </a:solidFill>
                 <a:highlight>
                   <a:srgbClr val="ECFDFE"/>
@@ -5792,7 +5637,7 @@
             </a:r>
             <a:endParaRPr lang="ko-KR" altLang="en-US" sz="3358" dirty="0">
               <a:solidFill>
-                <a:schemeClr val="bg1"/>
+                <a:srgbClr val="ECFDFE"/>
               </a:solidFill>
               <a:highlight>
                 <a:srgbClr val="ECFDFE"/>
@@ -5870,51 +5715,6 @@
           </a:p>
         </p:txBody>
       </p:sp>
-      <p:pic>
-        <p:nvPicPr>
-          <p:cNvPr id="1025" name="_x221009608">
-            <a:extLst>
-              <a:ext uri="{FF2B5EF4-FFF2-40B4-BE49-F238E27FC236}">
-                <a16:creationId xmlns:a16="http://schemas.microsoft.com/office/drawing/2014/main" id="{FC8A9386-9AED-4ED3-954C-A1FE3190DF5D}"/>
-              </a:ext>
-            </a:extLst>
-          </p:cNvPr>
-          <p:cNvPicPr>
-            <a:picLocks noChangeAspect="1" noChangeArrowheads="1"/>
-          </p:cNvPicPr>
-          <p:nvPr/>
-        </p:nvPicPr>
-        <p:blipFill>
-          <a:blip r:embed="rId13">
-            <a:extLst>
-              <a:ext uri="{28A0092B-C50C-407E-A947-70E740481C1C}">
-                <a14:useLocalDpi xmlns:a14="http://schemas.microsoft.com/office/drawing/2010/main" val="0"/>
-              </a:ext>
-            </a:extLst>
-          </a:blip>
-          <a:srcRect/>
-          <a:stretch/>
-        </p:blipFill>
-        <p:spPr bwMode="auto">
-          <a:xfrm>
-            <a:off x="860230" y="11133574"/>
-            <a:ext cx="9505722" cy="4220383"/>
-          </a:xfrm>
-          <a:prstGeom prst="rect">
-            <a:avLst/>
-          </a:prstGeom>
-          <a:noFill/>
-          <a:extLst>
-            <a:ext uri="{909E8E84-426E-40DD-AFC4-6F175D3DCCD1}">
-              <a14:hiddenFill xmlns:a14="http://schemas.microsoft.com/office/drawing/2010/main">
-                <a:solidFill>
-                  <a:srgbClr val="FFFFFF"/>
-                </a:solidFill>
-              </a14:hiddenFill>
-            </a:ext>
-          </a:extLst>
-        </p:spPr>
-      </p:pic>
       <p:sp>
         <p:nvSpPr>
           <p:cNvPr id="62" name="Rectangle 4">
@@ -6006,8 +5806,8 @@
         </p:blipFill>
         <p:spPr>
           <a:xfrm>
-            <a:off x="858767" y="14645899"/>
-            <a:ext cx="5980183" cy="3521298"/>
+            <a:off x="1851897" y="11053012"/>
+            <a:ext cx="7502307" cy="4417567"/>
           </a:xfrm>
           <a:prstGeom prst="rect">
             <a:avLst/>
@@ -6154,357 +5954,6 @@
       </p:sp>
       <p:sp>
         <p:nvSpPr>
-          <p:cNvPr id="1028" name="_x47789328">
-            <a:extLst>
-              <a:ext uri="{FF2B5EF4-FFF2-40B4-BE49-F238E27FC236}">
-                <a16:creationId xmlns:a16="http://schemas.microsoft.com/office/drawing/2014/main" id="{B14943D9-979D-4F05-B6DC-4BFDBB1E2CB9}"/>
-              </a:ext>
-            </a:extLst>
-          </p:cNvPr>
-          <p:cNvSpPr>
-            <a:spLocks noChangeArrowheads="1"/>
-          </p:cNvSpPr>
-          <p:nvPr/>
-        </p:nvSpPr>
-        <p:spPr bwMode="auto">
-          <a:xfrm>
-            <a:off x="1041400" y="7158038"/>
-            <a:ext cx="1879600" cy="390525"/>
-          </a:xfrm>
-          <a:prstGeom prst="rect">
-            <a:avLst/>
-          </a:prstGeom>
-          <a:solidFill>
-            <a:srgbClr val="FFFFFF"/>
-          </a:solidFill>
-          <a:ln>
-            <a:noFill/>
-          </a:ln>
-          <a:extLst>
-            <a:ext uri="{91240B29-F687-4F45-9708-019B960494DF}">
-              <a14:hiddenLine xmlns:a14="http://schemas.microsoft.com/office/drawing/2010/main" w="9525">
-                <a:solidFill>
-                  <a:srgbClr val="000000"/>
-                </a:solidFill>
-                <a:miter lim="800000"/>
-                <a:headEnd/>
-                <a:tailEnd/>
-              </a14:hiddenLine>
-            </a:ext>
-          </a:extLst>
-        </p:spPr>
-        <p:txBody>
-          <a:bodyPr vert="horz" wrap="square" lIns="91440" tIns="45720" rIns="91440" bIns="45720" numCol="1" anchor="t" anchorCtr="0" compatLnSpc="1">
-            <a:prstTxWarp prst="textNoShape">
-              <a:avLst/>
-            </a:prstTxWarp>
-          </a:bodyPr>
-          <a:lstStyle/>
-          <a:p>
-            <a:pPr marL="0" marR="0" lvl="0" indent="0" algn="l" defTabSz="914400" rtl="0" eaLnBrk="0" fontAlgn="base" latinLnBrk="0" hangingPunct="0">
-              <a:lnSpc>
-                <a:spcPct val="100000"/>
-              </a:lnSpc>
-              <a:spcBef>
-                <a:spcPct val="0"/>
-              </a:spcBef>
-              <a:spcAft>
-                <a:spcPct val="0"/>
-              </a:spcAft>
-              <a:buClrTx/>
-              <a:buSzTx/>
-              <a:buFontTx/>
-              <a:buNone/>
-              <a:tabLst/>
-            </a:pPr>
-            <a:r>
-              <a:rPr kumimoji="0" lang="en-US" altLang="ko-KR" sz="1100" b="1" i="0" u="none" strike="noStrike" cap="none" normalizeH="0" baseline="0">
-                <a:ln>
-                  <a:noFill/>
-                </a:ln>
-                <a:solidFill>
-                  <a:srgbClr val="000000"/>
-                </a:solidFill>
-                <a:effectLst/>
-                <a:latin typeface="돋움" panose="020B0600000101010101" pitchFamily="50" charset="-127"/>
-              </a:rPr>
-              <a:t>&lt;</a:t>
-            </a:r>
-            <a:r>
-              <a:rPr kumimoji="0" lang="ko-KR" altLang="en-US" sz="1100" b="1" i="0" u="none" strike="noStrike" cap="none" normalizeH="0" baseline="0">
-                <a:ln>
-                  <a:noFill/>
-                </a:ln>
-                <a:solidFill>
-                  <a:srgbClr val="000000"/>
-                </a:solidFill>
-                <a:effectLst/>
-                <a:ea typeface="돋움" panose="020B0600000101010101" pitchFamily="50" charset="-127"/>
-              </a:rPr>
-              <a:t>용변 감지 알림</a:t>
-            </a:r>
-            <a:r>
-              <a:rPr kumimoji="0" lang="en-US" altLang="ko-KR" sz="1100" b="1" i="0" u="none" strike="noStrike" cap="none" normalizeH="0" baseline="0">
-                <a:ln>
-                  <a:noFill/>
-                </a:ln>
-                <a:solidFill>
-                  <a:srgbClr val="000000"/>
-                </a:solidFill>
-                <a:effectLst/>
-                <a:latin typeface="돋움" panose="020B0600000101010101" pitchFamily="50" charset="-127"/>
-              </a:rPr>
-              <a:t>&gt;</a:t>
-            </a:r>
-            <a:endParaRPr kumimoji="0" lang="en-US" altLang="ko-KR" sz="1800" b="0" i="0" u="none" strike="noStrike" cap="none" normalizeH="0" baseline="0">
-              <a:ln>
-                <a:noFill/>
-              </a:ln>
-              <a:solidFill>
-                <a:schemeClr val="tx1"/>
-              </a:solidFill>
-              <a:effectLst/>
-              <a:latin typeface="Arial" panose="020B0604020202020204" pitchFamily="34" charset="0"/>
-            </a:endParaRPr>
-          </a:p>
-        </p:txBody>
-      </p:sp>
-      <p:sp>
-        <p:nvSpPr>
-          <p:cNvPr id="1029" name="_x47789408">
-            <a:extLst>
-              <a:ext uri="{FF2B5EF4-FFF2-40B4-BE49-F238E27FC236}">
-                <a16:creationId xmlns:a16="http://schemas.microsoft.com/office/drawing/2014/main" id="{48139D06-562E-411D-83A4-BE80D153AB4D}"/>
-              </a:ext>
-            </a:extLst>
-          </p:cNvPr>
-          <p:cNvSpPr>
-            <a:spLocks noChangeArrowheads="1"/>
-          </p:cNvSpPr>
-          <p:nvPr/>
-        </p:nvSpPr>
-        <p:spPr bwMode="auto">
-          <a:xfrm>
-            <a:off x="2905125" y="7158038"/>
-            <a:ext cx="1879600" cy="390525"/>
-          </a:xfrm>
-          <a:prstGeom prst="rect">
-            <a:avLst/>
-          </a:prstGeom>
-          <a:solidFill>
-            <a:srgbClr val="FFFFFF"/>
-          </a:solidFill>
-          <a:ln>
-            <a:noFill/>
-          </a:ln>
-          <a:extLst>
-            <a:ext uri="{91240B29-F687-4F45-9708-019B960494DF}">
-              <a14:hiddenLine xmlns:a14="http://schemas.microsoft.com/office/drawing/2010/main" w="9525">
-                <a:solidFill>
-                  <a:srgbClr val="000000"/>
-                </a:solidFill>
-                <a:miter lim="800000"/>
-                <a:headEnd/>
-                <a:tailEnd/>
-              </a14:hiddenLine>
-            </a:ext>
-          </a:extLst>
-        </p:spPr>
-        <p:txBody>
-          <a:bodyPr vert="horz" wrap="square" lIns="91440" tIns="45720" rIns="91440" bIns="45720" numCol="1" anchor="t" anchorCtr="0" compatLnSpc="1">
-            <a:prstTxWarp prst="textNoShape">
-              <a:avLst/>
-            </a:prstTxWarp>
-          </a:bodyPr>
-          <a:lstStyle/>
-          <a:p>
-            <a:pPr marL="0" marR="0" lvl="0" indent="0" algn="l" defTabSz="914400" rtl="0" eaLnBrk="0" fontAlgn="base" latinLnBrk="0" hangingPunct="0">
-              <a:lnSpc>
-                <a:spcPct val="100000"/>
-              </a:lnSpc>
-              <a:spcBef>
-                <a:spcPct val="0"/>
-              </a:spcBef>
-              <a:spcAft>
-                <a:spcPct val="0"/>
-              </a:spcAft>
-              <a:buClrTx/>
-              <a:buSzTx/>
-              <a:buFontTx/>
-              <a:buNone/>
-              <a:tabLst/>
-            </a:pPr>
-            <a:r>
-              <a:rPr kumimoji="0" lang="en-US" altLang="ko-KR" sz="1100" b="1" i="0" u="none" strike="noStrike" cap="none" normalizeH="0" baseline="0">
-                <a:ln>
-                  <a:noFill/>
-                </a:ln>
-                <a:solidFill>
-                  <a:srgbClr val="000000"/>
-                </a:solidFill>
-                <a:effectLst/>
-                <a:latin typeface="돋움" panose="020B0600000101010101" pitchFamily="50" charset="-127"/>
-              </a:rPr>
-              <a:t>&lt;</a:t>
-            </a:r>
-            <a:r>
-              <a:rPr kumimoji="0" lang="ko-KR" altLang="en-US" sz="1100" b="1" i="0" u="none" strike="noStrike" cap="none" normalizeH="0" baseline="0">
-                <a:ln>
-                  <a:noFill/>
-                </a:ln>
-                <a:solidFill>
-                  <a:srgbClr val="000000"/>
-                </a:solidFill>
-                <a:effectLst/>
-                <a:ea typeface="돋움" panose="020B0600000101010101" pitchFamily="50" charset="-127"/>
-              </a:rPr>
-              <a:t>주기적 재촉 알림</a:t>
-            </a:r>
-            <a:r>
-              <a:rPr kumimoji="0" lang="en-US" altLang="ko-KR" sz="1100" b="1" i="0" u="none" strike="noStrike" cap="none" normalizeH="0" baseline="0">
-                <a:ln>
-                  <a:noFill/>
-                </a:ln>
-                <a:solidFill>
-                  <a:srgbClr val="000000"/>
-                </a:solidFill>
-                <a:effectLst/>
-                <a:latin typeface="돋움" panose="020B0600000101010101" pitchFamily="50" charset="-127"/>
-              </a:rPr>
-              <a:t>&gt;</a:t>
-            </a:r>
-            <a:endParaRPr kumimoji="0" lang="en-US" altLang="ko-KR" sz="1800" b="0" i="0" u="none" strike="noStrike" cap="none" normalizeH="0" baseline="0">
-              <a:ln>
-                <a:noFill/>
-              </a:ln>
-              <a:solidFill>
-                <a:schemeClr val="tx1"/>
-              </a:solidFill>
-              <a:effectLst/>
-              <a:latin typeface="Arial" panose="020B0604020202020204" pitchFamily="34" charset="0"/>
-            </a:endParaRPr>
-          </a:p>
-        </p:txBody>
-      </p:sp>
-      <p:sp>
-        <p:nvSpPr>
-          <p:cNvPr id="1030" name="_x47460400">
-            <a:extLst>
-              <a:ext uri="{FF2B5EF4-FFF2-40B4-BE49-F238E27FC236}">
-                <a16:creationId xmlns:a16="http://schemas.microsoft.com/office/drawing/2014/main" id="{5C92EB57-1A06-4181-B314-D4AFE7E87DD0}"/>
-              </a:ext>
-            </a:extLst>
-          </p:cNvPr>
-          <p:cNvSpPr>
-            <a:spLocks noChangeArrowheads="1"/>
-          </p:cNvSpPr>
-          <p:nvPr/>
-        </p:nvSpPr>
-        <p:spPr bwMode="auto">
-          <a:xfrm>
-            <a:off x="4959350" y="7167563"/>
-            <a:ext cx="1879600" cy="390525"/>
-          </a:xfrm>
-          <a:prstGeom prst="rect">
-            <a:avLst/>
-          </a:prstGeom>
-          <a:solidFill>
-            <a:srgbClr val="FFFFFF"/>
-          </a:solidFill>
-          <a:ln>
-            <a:noFill/>
-          </a:ln>
-          <a:extLst>
-            <a:ext uri="{91240B29-F687-4F45-9708-019B960494DF}">
-              <a14:hiddenLine xmlns:a14="http://schemas.microsoft.com/office/drawing/2010/main" w="9525">
-                <a:solidFill>
-                  <a:srgbClr val="000000"/>
-                </a:solidFill>
-                <a:miter lim="800000"/>
-                <a:headEnd/>
-                <a:tailEnd/>
-              </a14:hiddenLine>
-            </a:ext>
-          </a:extLst>
-        </p:spPr>
-        <p:txBody>
-          <a:bodyPr vert="horz" wrap="square" lIns="91440" tIns="45720" rIns="91440" bIns="45720" numCol="1" anchor="t" anchorCtr="0" compatLnSpc="1">
-            <a:prstTxWarp prst="textNoShape">
-              <a:avLst/>
-            </a:prstTxWarp>
-          </a:bodyPr>
-          <a:lstStyle/>
-          <a:p>
-            <a:pPr marL="0" marR="0" lvl="0" indent="0" algn="l" defTabSz="914400" rtl="0" eaLnBrk="0" fontAlgn="base" latinLnBrk="0" hangingPunct="0">
-              <a:lnSpc>
-                <a:spcPct val="100000"/>
-              </a:lnSpc>
-              <a:spcBef>
-                <a:spcPct val="0"/>
-              </a:spcBef>
-              <a:spcAft>
-                <a:spcPct val="0"/>
-              </a:spcAft>
-              <a:buClrTx/>
-              <a:buSzTx/>
-              <a:buFontTx/>
-              <a:buNone/>
-              <a:tabLst/>
-            </a:pPr>
-            <a:r>
-              <a:rPr kumimoji="0" lang="en-US" altLang="ko-KR" sz="1100" b="1" i="0" u="none" strike="noStrike" cap="none" normalizeH="0" baseline="0">
-                <a:ln>
-                  <a:noFill/>
-                </a:ln>
-                <a:solidFill>
-                  <a:srgbClr val="000000"/>
-                </a:solidFill>
-                <a:effectLst/>
-                <a:latin typeface="돋움" panose="020B0600000101010101" pitchFamily="50" charset="-127"/>
-              </a:rPr>
-              <a:t>&lt;</a:t>
-            </a:r>
-            <a:r>
-              <a:rPr kumimoji="0" lang="ko-KR" altLang="en-US" sz="1100" b="1" i="0" u="none" strike="noStrike" cap="none" normalizeH="0" baseline="0">
-                <a:ln>
-                  <a:noFill/>
-                </a:ln>
-                <a:solidFill>
-                  <a:srgbClr val="000000"/>
-                </a:solidFill>
-                <a:effectLst/>
-                <a:ea typeface="돋움" panose="020B0600000101010101" pitchFamily="50" charset="-127"/>
-              </a:rPr>
-              <a:t>모바일 웹뷰 화면</a:t>
-            </a:r>
-            <a:r>
-              <a:rPr kumimoji="0" lang="en-US" altLang="ko-KR" sz="1100" b="1" i="0" u="none" strike="noStrike" cap="none" normalizeH="0" baseline="0">
-                <a:ln>
-                  <a:noFill/>
-                </a:ln>
-                <a:solidFill>
-                  <a:srgbClr val="000000"/>
-                </a:solidFill>
-                <a:effectLst/>
-                <a:latin typeface="돋움" panose="020B0600000101010101" pitchFamily="50" charset="-127"/>
-              </a:rPr>
-              <a:t>&gt;</a:t>
-            </a:r>
-            <a:endParaRPr kumimoji="0" lang="en-US" altLang="ko-KR" sz="1800" b="0" i="0" u="none" strike="noStrike" cap="none" normalizeH="0" baseline="0">
-              <a:ln>
-                <a:noFill/>
-              </a:ln>
-              <a:solidFill>
-                <a:schemeClr val="tx1"/>
-              </a:solidFill>
-              <a:effectLst/>
-              <a:latin typeface="Arial" panose="020B0604020202020204" pitchFamily="34" charset="0"/>
-            </a:endParaRPr>
-          </a:p>
-        </p:txBody>
-      </p:sp>
-      <p:sp>
-        <p:nvSpPr>
           <p:cNvPr id="1031" name="Rectangle 16">
             <a:extLst>
               <a:ext uri="{FF2B5EF4-FFF2-40B4-BE49-F238E27FC236}">
@@ -6666,7 +6115,7 @@
         </p:blipFill>
         <p:spPr bwMode="auto">
           <a:xfrm>
-            <a:off x="11417639" y="19555346"/>
+            <a:off x="11219519" y="19646786"/>
             <a:ext cx="4127912" cy="6734175"/>
           </a:xfrm>
           <a:prstGeom prst="rect">
@@ -6713,7 +6162,7 @@
         </p:blipFill>
         <p:spPr bwMode="auto">
           <a:xfrm>
-            <a:off x="6220816" y="19549314"/>
+            <a:off x="6022696" y="19640754"/>
             <a:ext cx="4235077" cy="6727701"/>
           </a:xfrm>
           <a:prstGeom prst="rect">
@@ -6760,7 +6209,7 @@
         </p:blipFill>
         <p:spPr bwMode="auto">
           <a:xfrm>
-            <a:off x="1221386" y="19549315"/>
+            <a:off x="1023266" y="19640755"/>
             <a:ext cx="4127912" cy="6727701"/>
           </a:xfrm>
           <a:prstGeom prst="rect">
@@ -6787,8 +6236,8 @@
               </a:ext>
             </a:extLst>
           </p:cNvPr>
-          <p:cNvPicPr>
-            <a:picLocks noChangeAspect="1"/>
+          <p:cNvPicPr preferRelativeResize="0">
+            <a:picLocks/>
           </p:cNvPicPr>
           <p:nvPr/>
         </p:nvPicPr>
@@ -6800,8 +6249,8 @@
         </p:blipFill>
         <p:spPr>
           <a:xfrm>
-            <a:off x="16391177" y="19549314"/>
-            <a:ext cx="3783680" cy="6726540"/>
+            <a:off x="16193057" y="19640754"/>
+            <a:ext cx="4129200" cy="6735600"/>
           </a:xfrm>
           <a:prstGeom prst="rect">
             <a:avLst/>
@@ -6822,7 +6271,7 @@
         </p:nvSpPr>
         <p:spPr>
           <a:xfrm>
-            <a:off x="2232411" y="26373829"/>
+            <a:off x="2080011" y="26373829"/>
             <a:ext cx="2105862" cy="369332"/>
           </a:xfrm>
           <a:prstGeom prst="rect">
@@ -6898,7 +6347,7 @@
         </p:nvSpPr>
         <p:spPr>
           <a:xfrm>
-            <a:off x="7391924" y="26371248"/>
+            <a:off x="7056644" y="26371248"/>
             <a:ext cx="2279491" cy="369332"/>
           </a:xfrm>
           <a:prstGeom prst="rect">
@@ -6974,7 +6423,7 @@
         </p:nvSpPr>
         <p:spPr>
           <a:xfrm>
-            <a:off x="12341849" y="26371248"/>
+            <a:off x="12189449" y="26371248"/>
             <a:ext cx="2279491" cy="369332"/>
           </a:xfrm>
           <a:prstGeom prst="rect">
@@ -7074,7 +6523,7 @@
         </p:nvSpPr>
         <p:spPr>
           <a:xfrm>
-            <a:off x="16856108" y="26379322"/>
+            <a:off x="16840868" y="26379322"/>
             <a:ext cx="2853817" cy="369332"/>
           </a:xfrm>
           <a:prstGeom prst="rect">
@@ -7177,7 +6626,7 @@
         </p:blipFill>
         <p:spPr bwMode="auto">
           <a:xfrm>
-            <a:off x="10768012" y="12271879"/>
+            <a:off x="742568" y="15383532"/>
             <a:ext cx="6570550" cy="2921761"/>
           </a:xfrm>
           <a:prstGeom prst="rect">
@@ -7444,8 +6893,8 @@
         </p:nvSpPr>
         <p:spPr>
           <a:xfrm>
-            <a:off x="2643920" y="18149841"/>
-            <a:ext cx="2402009" cy="369332"/>
+            <a:off x="4379425" y="11437521"/>
+            <a:ext cx="2780442" cy="369332"/>
           </a:xfrm>
           <a:prstGeom prst="rect">
             <a:avLst/>
@@ -7520,7 +6969,7 @@
         </p:nvSpPr>
         <p:spPr>
           <a:xfrm>
-            <a:off x="12852282" y="12726164"/>
+            <a:off x="2826838" y="15837817"/>
             <a:ext cx="2402009" cy="369332"/>
           </a:xfrm>
           <a:prstGeom prst="rect">
@@ -7557,82 +7006,6 @@
                 </a:effectLst>
               </a:rPr>
               <a:t>호실 별 모니터링</a:t>
-            </a:r>
-            <a:r>
-              <a:rPr lang="en-US" altLang="ko-KR" b="1" dirty="0">
-                <a:effectLst>
-                  <a:outerShdw blurRad="38100" dist="38100" dir="2700000" algn="tl">
-                    <a:srgbClr val="000000">
-                      <a:alpha val="43137"/>
-                    </a:srgbClr>
-                  </a:outerShdw>
-                </a:effectLst>
-              </a:rPr>
-              <a:t>&gt;</a:t>
-            </a:r>
-            <a:endParaRPr lang="ko-KR" altLang="en-US" b="1" dirty="0">
-              <a:effectLst>
-                <a:outerShdw blurRad="38100" dist="38100" dir="2700000" algn="tl">
-                  <a:srgbClr val="000000">
-                    <a:alpha val="43137"/>
-                  </a:srgbClr>
-                </a:outerShdw>
-              </a:effectLst>
-            </a:endParaRPr>
-          </a:p>
-        </p:txBody>
-      </p:sp>
-      <p:sp>
-        <p:nvSpPr>
-          <p:cNvPr id="88" name="TextBox 87">
-            <a:extLst>
-              <a:ext uri="{FF2B5EF4-FFF2-40B4-BE49-F238E27FC236}">
-                <a16:creationId xmlns:a16="http://schemas.microsoft.com/office/drawing/2014/main" id="{DCF9D4C0-DF25-41D8-9EDA-6418C5E01915}"/>
-              </a:ext>
-            </a:extLst>
-          </p:cNvPr>
-          <p:cNvSpPr txBox="1"/>
-          <p:nvPr/>
-        </p:nvSpPr>
-        <p:spPr>
-          <a:xfrm>
-            <a:off x="4549310" y="11831015"/>
-            <a:ext cx="2121961" cy="369332"/>
-          </a:xfrm>
-          <a:prstGeom prst="rect">
-            <a:avLst/>
-          </a:prstGeom>
-          <a:noFill/>
-        </p:spPr>
-        <p:txBody>
-          <a:bodyPr wrap="square" rtlCol="0">
-            <a:spAutoFit/>
-          </a:bodyPr>
-          <a:lstStyle/>
-          <a:p>
-            <a:r>
-              <a:rPr lang="en-US" altLang="ko-KR" b="1" dirty="0">
-                <a:effectLst>
-                  <a:outerShdw blurRad="38100" dist="38100" dir="2700000" algn="tl">
-                    <a:srgbClr val="000000">
-                      <a:alpha val="43137"/>
-                    </a:srgbClr>
-                  </a:outerShdw>
-                </a:effectLst>
-              </a:rPr>
-              <a:t>&lt;</a:t>
-            </a:r>
-            <a:r>
-              <a:rPr lang="ko-KR" altLang="en-US" b="1" dirty="0">
-                <a:effectLst>
-                  <a:outerShdw blurRad="38100" dist="38100" dir="2700000" algn="tl">
-                    <a:srgbClr val="000000">
-                      <a:alpha val="43137"/>
-                    </a:srgbClr>
-                  </a:outerShdw>
-                </a:effectLst>
-              </a:rPr>
-              <a:t>환자 이력 조회</a:t>
             </a:r>
             <a:r>
               <a:rPr lang="en-US" altLang="ko-KR" b="1" dirty="0">
@@ -7680,8 +7053,8 @@
         </p:blipFill>
         <p:spPr>
           <a:xfrm>
-            <a:off x="7195455" y="15289272"/>
-            <a:ext cx="6553811" cy="2879569"/>
+            <a:off x="7355733" y="15379409"/>
+            <a:ext cx="6553811" cy="2925884"/>
           </a:xfrm>
           <a:prstGeom prst="rect">
             <a:avLst/>
@@ -7702,7 +7075,7 @@
         </p:nvSpPr>
         <p:spPr>
           <a:xfrm>
-            <a:off x="9135764" y="15582680"/>
+            <a:off x="9387586" y="15621754"/>
             <a:ext cx="3112096" cy="369332"/>
           </a:xfrm>
           <a:prstGeom prst="rect">
@@ -7760,6 +7133,300 @@
                   </a:srgbClr>
                 </a:outerShdw>
               </a:effectLst>
+            </a:endParaRPr>
+          </a:p>
+        </p:txBody>
+      </p:sp>
+      <p:sp>
+        <p:nvSpPr>
+          <p:cNvPr id="88" name="TextBox 87">
+            <a:extLst>
+              <a:ext uri="{FF2B5EF4-FFF2-40B4-BE49-F238E27FC236}">
+                <a16:creationId xmlns:a16="http://schemas.microsoft.com/office/drawing/2014/main" id="{DCF9D4C0-DF25-41D8-9EDA-6418C5E01915}"/>
+              </a:ext>
+            </a:extLst>
+          </p:cNvPr>
+          <p:cNvSpPr txBox="1"/>
+          <p:nvPr/>
+        </p:nvSpPr>
+        <p:spPr>
+          <a:xfrm>
+            <a:off x="14156937" y="13010625"/>
+            <a:ext cx="2121961" cy="369332"/>
+          </a:xfrm>
+          <a:prstGeom prst="rect">
+            <a:avLst/>
+          </a:prstGeom>
+          <a:noFill/>
+        </p:spPr>
+        <p:txBody>
+          <a:bodyPr wrap="square" rtlCol="0">
+            <a:spAutoFit/>
+          </a:bodyPr>
+          <a:lstStyle/>
+          <a:p>
+            <a:r>
+              <a:rPr lang="en-US" altLang="ko-KR" b="1" dirty="0">
+                <a:effectLst>
+                  <a:outerShdw blurRad="38100" dist="38100" dir="2700000" algn="tl">
+                    <a:srgbClr val="000000">
+                      <a:alpha val="43137"/>
+                    </a:srgbClr>
+                  </a:outerShdw>
+                </a:effectLst>
+              </a:rPr>
+              <a:t>&lt;</a:t>
+            </a:r>
+            <a:r>
+              <a:rPr lang="ko-KR" altLang="en-US" b="1" dirty="0">
+                <a:effectLst>
+                  <a:outerShdw blurRad="38100" dist="38100" dir="2700000" algn="tl">
+                    <a:srgbClr val="000000">
+                      <a:alpha val="43137"/>
+                    </a:srgbClr>
+                  </a:outerShdw>
+                </a:effectLst>
+              </a:rPr>
+              <a:t>환자 이력 조회</a:t>
+            </a:r>
+            <a:r>
+              <a:rPr lang="en-US" altLang="ko-KR" b="1" dirty="0">
+                <a:effectLst>
+                  <a:outerShdw blurRad="38100" dist="38100" dir="2700000" algn="tl">
+                    <a:srgbClr val="000000">
+                      <a:alpha val="43137"/>
+                    </a:srgbClr>
+                  </a:outerShdw>
+                </a:effectLst>
+              </a:rPr>
+              <a:t>&gt;</a:t>
+            </a:r>
+            <a:endParaRPr lang="ko-KR" altLang="en-US" b="1" dirty="0">
+              <a:effectLst>
+                <a:outerShdw blurRad="38100" dist="38100" dir="2700000" algn="tl">
+                  <a:srgbClr val="000000">
+                    <a:alpha val="43137"/>
+                  </a:srgbClr>
+                </a:outerShdw>
+              </a:effectLst>
+            </a:endParaRPr>
+          </a:p>
+        </p:txBody>
+      </p:sp>
+      <p:sp>
+        <p:nvSpPr>
+          <p:cNvPr id="33" name="TextBox 32">
+            <a:extLst>
+              <a:ext uri="{FF2B5EF4-FFF2-40B4-BE49-F238E27FC236}">
+                <a16:creationId xmlns:a16="http://schemas.microsoft.com/office/drawing/2014/main" id="{FD6D9057-02B9-4A61-A8C0-9DD3FE755B7A}"/>
+              </a:ext>
+            </a:extLst>
+          </p:cNvPr>
+          <p:cNvSpPr txBox="1"/>
+          <p:nvPr/>
+        </p:nvSpPr>
+        <p:spPr>
+          <a:xfrm>
+            <a:off x="11271126" y="9366756"/>
+            <a:ext cx="9603327" cy="1985159"/>
+          </a:xfrm>
+          <a:prstGeom prst="rect">
+            <a:avLst/>
+          </a:prstGeom>
+          <a:noFill/>
+          <a:ln w="28575">
+            <a:solidFill>
+              <a:srgbClr val="0070C0"/>
+            </a:solidFill>
+            <a:prstDash val="solid"/>
+          </a:ln>
+        </p:spPr>
+        <p:txBody>
+          <a:bodyPr wrap="square" rtlCol="0">
+            <a:spAutoFit/>
+          </a:bodyPr>
+          <a:lstStyle/>
+          <a:p>
+            <a:endParaRPr lang="ko-KR" altLang="en-US" sz="12300" dirty="0"/>
+          </a:p>
+        </p:txBody>
+      </p:sp>
+      <p:sp>
+        <p:nvSpPr>
+          <p:cNvPr id="3" name="TextBox 2">
+            <a:extLst>
+              <a:ext uri="{FF2B5EF4-FFF2-40B4-BE49-F238E27FC236}">
+                <a16:creationId xmlns:a16="http://schemas.microsoft.com/office/drawing/2014/main" id="{0DF26B12-8F40-489F-A95C-924371E23A1D}"/>
+              </a:ext>
+            </a:extLst>
+          </p:cNvPr>
+          <p:cNvSpPr txBox="1"/>
+          <p:nvPr/>
+        </p:nvSpPr>
+        <p:spPr>
+          <a:xfrm>
+            <a:off x="11567621" y="9499557"/>
+            <a:ext cx="8127064" cy="1682961"/>
+          </a:xfrm>
+          <a:prstGeom prst="rect">
+            <a:avLst/>
+          </a:prstGeom>
+          <a:noFill/>
+        </p:spPr>
+        <p:txBody>
+          <a:bodyPr wrap="square" rtlCol="0">
+            <a:spAutoFit/>
+          </a:bodyPr>
+          <a:lstStyle/>
+          <a:p>
+            <a:pPr marL="457200" indent="-457200">
+              <a:lnSpc>
+                <a:spcPct val="150000"/>
+              </a:lnSpc>
+              <a:buAutoNum type="arabicPeriod"/>
+            </a:pPr>
+            <a:r>
+              <a:rPr lang="ko-KR" altLang="en-US" sz="2400" dirty="0">
+                <a:effectLst>
+                  <a:outerShdw blurRad="38100" dist="38100" dir="2700000" algn="tl">
+                    <a:srgbClr val="000000">
+                      <a:alpha val="43137"/>
+                    </a:srgbClr>
+                  </a:outerShdw>
+                </a:effectLst>
+              </a:rPr>
+              <a:t>환자의 존엄성 보호</a:t>
+            </a:r>
+            <a:endParaRPr lang="en-US" altLang="ko-KR" sz="2400" dirty="0">
+              <a:effectLst>
+                <a:outerShdw blurRad="38100" dist="38100" dir="2700000" algn="tl">
+                  <a:srgbClr val="000000">
+                    <a:alpha val="43137"/>
+                  </a:srgbClr>
+                </a:outerShdw>
+              </a:effectLst>
+            </a:endParaRPr>
+          </a:p>
+          <a:p>
+            <a:pPr marL="457200" indent="-457200">
+              <a:lnSpc>
+                <a:spcPct val="150000"/>
+              </a:lnSpc>
+              <a:buAutoNum type="arabicPeriod"/>
+            </a:pPr>
+            <a:r>
+              <a:rPr lang="ko-KR" altLang="en-US" sz="2400" dirty="0">
+                <a:effectLst>
+                  <a:outerShdw blurRad="38100" dist="38100" dir="2700000" algn="tl">
+                    <a:srgbClr val="000000">
+                      <a:alpha val="43137"/>
+                    </a:srgbClr>
+                  </a:outerShdw>
+                </a:effectLst>
+              </a:rPr>
+              <a:t>업무의 효율성 증대</a:t>
+            </a:r>
+            <a:endParaRPr lang="en-US" altLang="ko-KR" sz="2400" dirty="0"/>
+          </a:p>
+          <a:p>
+            <a:pPr>
+              <a:lnSpc>
+                <a:spcPct val="150000"/>
+              </a:lnSpc>
+            </a:pPr>
+            <a:r>
+              <a:rPr lang="en-US" altLang="ko-KR" sz="2400" dirty="0">
+                <a:effectLst>
+                  <a:outerShdw blurRad="38100" dist="38100" dir="2700000" algn="tl">
+                    <a:srgbClr val="000000">
+                      <a:alpha val="43137"/>
+                    </a:srgbClr>
+                  </a:outerShdw>
+                </a:effectLst>
+              </a:rPr>
+              <a:t>3.  </a:t>
+            </a:r>
+            <a:r>
+              <a:rPr lang="ko-KR" altLang="en-US" sz="2400" dirty="0">
+                <a:effectLst>
+                  <a:outerShdw blurRad="38100" dist="38100" dir="2700000" algn="tl">
+                    <a:srgbClr val="000000">
+                      <a:alpha val="43137"/>
+                    </a:srgbClr>
+                  </a:outerShdw>
+                </a:effectLst>
+              </a:rPr>
+              <a:t>서비스의 신뢰성 향상</a:t>
+            </a:r>
+            <a:endParaRPr lang="ko-KR" altLang="en-US" sz="2400" dirty="0"/>
+          </a:p>
+        </p:txBody>
+      </p:sp>
+      <p:sp>
+        <p:nvSpPr>
+          <p:cNvPr id="34" name="TextBox 33">
+            <a:extLst>
+              <a:ext uri="{FF2B5EF4-FFF2-40B4-BE49-F238E27FC236}">
+                <a16:creationId xmlns:a16="http://schemas.microsoft.com/office/drawing/2014/main" id="{DE9267A8-8CEE-4B21-A040-F26F9C48F354}"/>
+              </a:ext>
+            </a:extLst>
+          </p:cNvPr>
+          <p:cNvSpPr txBox="1"/>
+          <p:nvPr/>
+        </p:nvSpPr>
+        <p:spPr>
+          <a:xfrm>
+            <a:off x="14927620" y="9072608"/>
+            <a:ext cx="2501319" cy="609077"/>
+          </a:xfrm>
+          <a:prstGeom prst="rect">
+            <a:avLst/>
+          </a:prstGeom>
+          <a:noFill/>
+        </p:spPr>
+        <p:txBody>
+          <a:bodyPr wrap="square" rtlCol="0">
+            <a:spAutoFit/>
+          </a:bodyPr>
+          <a:lstStyle/>
+          <a:p>
+            <a:r>
+              <a:rPr lang="en-US" altLang="ko-KR" sz="3358" dirty="0">
+                <a:solidFill>
+                  <a:srgbClr val="ECFDFE"/>
+                </a:solidFill>
+                <a:highlight>
+                  <a:srgbClr val="ECFDFE"/>
+                </a:highlight>
+              </a:rPr>
+              <a:t>0</a:t>
+            </a:r>
+            <a:r>
+              <a:rPr lang="ko-KR" altLang="en-US" sz="3358" dirty="0">
+                <a:highlight>
+                  <a:srgbClr val="ECFDFE"/>
+                </a:highlight>
+              </a:rPr>
+              <a:t>기대효과</a:t>
+            </a:r>
+            <a:r>
+              <a:rPr lang="en-US" altLang="ko-KR" sz="3358" dirty="0">
+                <a:solidFill>
+                  <a:srgbClr val="ECFDFE"/>
+                </a:solidFill>
+                <a:highlight>
+                  <a:srgbClr val="ECFDFE"/>
+                </a:highlight>
+              </a:rPr>
+              <a:t>0</a:t>
+            </a:r>
+            <a:endParaRPr lang="ko-KR" altLang="en-US" sz="3358" dirty="0">
+              <a:solidFill>
+                <a:srgbClr val="ECFDFE"/>
+              </a:solidFill>
+              <a:highlight>
+                <a:srgbClr val="ECFDFE"/>
+              </a:highlight>
             </a:endParaRPr>
           </a:p>
         </p:txBody>

--- a/Pamphlet/Hanggies Panel.pptx
+++ b/Pamphlet/Hanggies Panel.pptx
@@ -259,7 +259,7 @@
           <a:p>
             <a:fld id="{F2FBEA0F-6E54-445A-AB82-3230F0799B3D}" type="datetimeFigureOut">
               <a:rPr lang="ko-KR" altLang="en-US" smtClean="0"/>
-              <a:t>2019-05-23</a:t>
+              <a:t>2019-05-24</a:t>
             </a:fld>
             <a:endParaRPr lang="ko-KR" altLang="en-US"/>
           </a:p>
@@ -457,7 +457,7 @@
           <a:p>
             <a:fld id="{F2FBEA0F-6E54-445A-AB82-3230F0799B3D}" type="datetimeFigureOut">
               <a:rPr lang="ko-KR" altLang="en-US" smtClean="0"/>
-              <a:t>2019-05-23</a:t>
+              <a:t>2019-05-24</a:t>
             </a:fld>
             <a:endParaRPr lang="ko-KR" altLang="en-US"/>
           </a:p>
@@ -665,7 +665,7 @@
           <a:p>
             <a:fld id="{F2FBEA0F-6E54-445A-AB82-3230F0799B3D}" type="datetimeFigureOut">
               <a:rPr lang="ko-KR" altLang="en-US" smtClean="0"/>
-              <a:t>2019-05-23</a:t>
+              <a:t>2019-05-24</a:t>
             </a:fld>
             <a:endParaRPr lang="ko-KR" altLang="en-US"/>
           </a:p>
@@ -863,7 +863,7 @@
           <a:p>
             <a:fld id="{F2FBEA0F-6E54-445A-AB82-3230F0799B3D}" type="datetimeFigureOut">
               <a:rPr lang="ko-KR" altLang="en-US" smtClean="0"/>
-              <a:t>2019-05-23</a:t>
+              <a:t>2019-05-24</a:t>
             </a:fld>
             <a:endParaRPr lang="ko-KR" altLang="en-US"/>
           </a:p>
@@ -1138,7 +1138,7 @@
           <a:p>
             <a:fld id="{F2FBEA0F-6E54-445A-AB82-3230F0799B3D}" type="datetimeFigureOut">
               <a:rPr lang="ko-KR" altLang="en-US" smtClean="0"/>
-              <a:t>2019-05-23</a:t>
+              <a:t>2019-05-24</a:t>
             </a:fld>
             <a:endParaRPr lang="ko-KR" altLang="en-US"/>
           </a:p>
@@ -1403,7 +1403,7 @@
           <a:p>
             <a:fld id="{F2FBEA0F-6E54-445A-AB82-3230F0799B3D}" type="datetimeFigureOut">
               <a:rPr lang="ko-KR" altLang="en-US" smtClean="0"/>
-              <a:t>2019-05-23</a:t>
+              <a:t>2019-05-24</a:t>
             </a:fld>
             <a:endParaRPr lang="ko-KR" altLang="en-US"/>
           </a:p>
@@ -1815,7 +1815,7 @@
           <a:p>
             <a:fld id="{F2FBEA0F-6E54-445A-AB82-3230F0799B3D}" type="datetimeFigureOut">
               <a:rPr lang="ko-KR" altLang="en-US" smtClean="0"/>
-              <a:t>2019-05-23</a:t>
+              <a:t>2019-05-24</a:t>
             </a:fld>
             <a:endParaRPr lang="ko-KR" altLang="en-US"/>
           </a:p>
@@ -1956,7 +1956,7 @@
           <a:p>
             <a:fld id="{F2FBEA0F-6E54-445A-AB82-3230F0799B3D}" type="datetimeFigureOut">
               <a:rPr lang="ko-KR" altLang="en-US" smtClean="0"/>
-              <a:t>2019-05-23</a:t>
+              <a:t>2019-05-24</a:t>
             </a:fld>
             <a:endParaRPr lang="ko-KR" altLang="en-US"/>
           </a:p>
@@ -2069,7 +2069,7 @@
           <a:p>
             <a:fld id="{F2FBEA0F-6E54-445A-AB82-3230F0799B3D}" type="datetimeFigureOut">
               <a:rPr lang="ko-KR" altLang="en-US" smtClean="0"/>
-              <a:t>2019-05-23</a:t>
+              <a:t>2019-05-24</a:t>
             </a:fld>
             <a:endParaRPr lang="ko-KR" altLang="en-US"/>
           </a:p>
@@ -2380,7 +2380,7 @@
           <a:p>
             <a:fld id="{F2FBEA0F-6E54-445A-AB82-3230F0799B3D}" type="datetimeFigureOut">
               <a:rPr lang="ko-KR" altLang="en-US" smtClean="0"/>
-              <a:t>2019-05-23</a:t>
+              <a:t>2019-05-24</a:t>
             </a:fld>
             <a:endParaRPr lang="ko-KR" altLang="en-US"/>
           </a:p>
@@ -2668,7 +2668,7 @@
           <a:p>
             <a:fld id="{F2FBEA0F-6E54-445A-AB82-3230F0799B3D}" type="datetimeFigureOut">
               <a:rPr lang="ko-KR" altLang="en-US" smtClean="0"/>
-              <a:t>2019-05-23</a:t>
+              <a:t>2019-05-24</a:t>
             </a:fld>
             <a:endParaRPr lang="ko-KR" altLang="en-US"/>
           </a:p>
@@ -2909,7 +2909,7 @@
           <a:p>
             <a:fld id="{F2FBEA0F-6E54-445A-AB82-3230F0799B3D}" type="datetimeFigureOut">
               <a:rPr lang="ko-KR" altLang="en-US" smtClean="0"/>
-              <a:t>2019-05-23</a:t>
+              <a:t>2019-05-24</a:t>
             </a:fld>
             <a:endParaRPr lang="ko-KR" altLang="en-US"/>
           </a:p>
@@ -3328,47 +3328,32 @@
       </p:grpSpPr>
       <p:pic>
         <p:nvPicPr>
-          <p:cNvPr id="1025" name="_x221009608">
-            <a:extLst>
-              <a:ext uri="{FF2B5EF4-FFF2-40B4-BE49-F238E27FC236}">
-                <a16:creationId xmlns:a16="http://schemas.microsoft.com/office/drawing/2014/main" id="{FC8A9386-9AED-4ED3-954C-A1FE3190DF5D}"/>
+          <p:cNvPr id="4" name="그림 3">
+            <a:extLst>
+              <a:ext uri="{FF2B5EF4-FFF2-40B4-BE49-F238E27FC236}">
+                <a16:creationId xmlns:a16="http://schemas.microsoft.com/office/drawing/2014/main" id="{BFBF64D0-E2FA-4A23-950D-69C7DFCD8A3C}"/>
               </a:ext>
             </a:extLst>
           </p:cNvPr>
           <p:cNvPicPr>
-            <a:picLocks noChangeAspect="1" noChangeArrowheads="1"/>
+            <a:picLocks noChangeAspect="1"/>
           </p:cNvPicPr>
           <p:nvPr/>
         </p:nvPicPr>
         <p:blipFill>
-          <a:blip r:embed="rId2">
-            <a:extLst>
-              <a:ext uri="{28A0092B-C50C-407E-A947-70E740481C1C}">
-                <a14:useLocalDpi xmlns:a14="http://schemas.microsoft.com/office/drawing/2010/main" val="0"/>
-              </a:ext>
-            </a:extLst>
-          </a:blip>
-          <a:srcRect/>
-          <a:stretch/>
+          <a:blip r:embed="rId2"/>
+          <a:stretch>
+            <a:fillRect/>
+          </a:stretch>
         </p:blipFill>
-        <p:spPr bwMode="auto">
-          <a:xfrm>
-            <a:off x="9671415" y="12444053"/>
-            <a:ext cx="11093006" cy="4925111"/>
+        <p:spPr>
+          <a:xfrm>
+            <a:off x="10297711" y="12237429"/>
+            <a:ext cx="10016410" cy="6027975"/>
           </a:xfrm>
           <a:prstGeom prst="rect">
             <a:avLst/>
           </a:prstGeom>
-          <a:noFill/>
-          <a:extLst>
-            <a:ext uri="{909E8E84-426E-40DD-AFC4-6F175D3DCCD1}">
-              <a14:hiddenFill xmlns:a14="http://schemas.microsoft.com/office/drawing/2010/main">
-                <a:solidFill>
-                  <a:srgbClr val="FFFFFF"/>
-                </a:solidFill>
-              </a14:hiddenFill>
-            </a:ext>
-          </a:extLst>
         </p:spPr>
       </p:pic>
       <p:sp>

--- a/Pamphlet/Hanggies Panel.pptx
+++ b/Pamphlet/Hanggies Panel.pptx
@@ -259,7 +259,7 @@
           <a:p>
             <a:fld id="{F2FBEA0F-6E54-445A-AB82-3230F0799B3D}" type="datetimeFigureOut">
               <a:rPr lang="ko-KR" altLang="en-US" smtClean="0"/>
-              <a:t>2019-05-23</a:t>
+              <a:t>2019-05-24</a:t>
             </a:fld>
             <a:endParaRPr lang="ko-KR" altLang="en-US"/>
           </a:p>
@@ -457,7 +457,7 @@
           <a:p>
             <a:fld id="{F2FBEA0F-6E54-445A-AB82-3230F0799B3D}" type="datetimeFigureOut">
               <a:rPr lang="ko-KR" altLang="en-US" smtClean="0"/>
-              <a:t>2019-05-23</a:t>
+              <a:t>2019-05-24</a:t>
             </a:fld>
             <a:endParaRPr lang="ko-KR" altLang="en-US"/>
           </a:p>
@@ -665,7 +665,7 @@
           <a:p>
             <a:fld id="{F2FBEA0F-6E54-445A-AB82-3230F0799B3D}" type="datetimeFigureOut">
               <a:rPr lang="ko-KR" altLang="en-US" smtClean="0"/>
-              <a:t>2019-05-23</a:t>
+              <a:t>2019-05-24</a:t>
             </a:fld>
             <a:endParaRPr lang="ko-KR" altLang="en-US"/>
           </a:p>
@@ -863,7 +863,7 @@
           <a:p>
             <a:fld id="{F2FBEA0F-6E54-445A-AB82-3230F0799B3D}" type="datetimeFigureOut">
               <a:rPr lang="ko-KR" altLang="en-US" smtClean="0"/>
-              <a:t>2019-05-23</a:t>
+              <a:t>2019-05-24</a:t>
             </a:fld>
             <a:endParaRPr lang="ko-KR" altLang="en-US"/>
           </a:p>
@@ -1138,7 +1138,7 @@
           <a:p>
             <a:fld id="{F2FBEA0F-6E54-445A-AB82-3230F0799B3D}" type="datetimeFigureOut">
               <a:rPr lang="ko-KR" altLang="en-US" smtClean="0"/>
-              <a:t>2019-05-23</a:t>
+              <a:t>2019-05-24</a:t>
             </a:fld>
             <a:endParaRPr lang="ko-KR" altLang="en-US"/>
           </a:p>
@@ -1403,7 +1403,7 @@
           <a:p>
             <a:fld id="{F2FBEA0F-6E54-445A-AB82-3230F0799B3D}" type="datetimeFigureOut">
               <a:rPr lang="ko-KR" altLang="en-US" smtClean="0"/>
-              <a:t>2019-05-23</a:t>
+              <a:t>2019-05-24</a:t>
             </a:fld>
             <a:endParaRPr lang="ko-KR" altLang="en-US"/>
           </a:p>
@@ -1815,7 +1815,7 @@
           <a:p>
             <a:fld id="{F2FBEA0F-6E54-445A-AB82-3230F0799B3D}" type="datetimeFigureOut">
               <a:rPr lang="ko-KR" altLang="en-US" smtClean="0"/>
-              <a:t>2019-05-23</a:t>
+              <a:t>2019-05-24</a:t>
             </a:fld>
             <a:endParaRPr lang="ko-KR" altLang="en-US"/>
           </a:p>
@@ -1956,7 +1956,7 @@
           <a:p>
             <a:fld id="{F2FBEA0F-6E54-445A-AB82-3230F0799B3D}" type="datetimeFigureOut">
               <a:rPr lang="ko-KR" altLang="en-US" smtClean="0"/>
-              <a:t>2019-05-23</a:t>
+              <a:t>2019-05-24</a:t>
             </a:fld>
             <a:endParaRPr lang="ko-KR" altLang="en-US"/>
           </a:p>
@@ -2069,7 +2069,7 @@
           <a:p>
             <a:fld id="{F2FBEA0F-6E54-445A-AB82-3230F0799B3D}" type="datetimeFigureOut">
               <a:rPr lang="ko-KR" altLang="en-US" smtClean="0"/>
-              <a:t>2019-05-23</a:t>
+              <a:t>2019-05-24</a:t>
             </a:fld>
             <a:endParaRPr lang="ko-KR" altLang="en-US"/>
           </a:p>
@@ -2380,7 +2380,7 @@
           <a:p>
             <a:fld id="{F2FBEA0F-6E54-445A-AB82-3230F0799B3D}" type="datetimeFigureOut">
               <a:rPr lang="ko-KR" altLang="en-US" smtClean="0"/>
-              <a:t>2019-05-23</a:t>
+              <a:t>2019-05-24</a:t>
             </a:fld>
             <a:endParaRPr lang="ko-KR" altLang="en-US"/>
           </a:p>
@@ -2668,7 +2668,7 @@
           <a:p>
             <a:fld id="{F2FBEA0F-6E54-445A-AB82-3230F0799B3D}" type="datetimeFigureOut">
               <a:rPr lang="ko-KR" altLang="en-US" smtClean="0"/>
-              <a:t>2019-05-23</a:t>
+              <a:t>2019-05-24</a:t>
             </a:fld>
             <a:endParaRPr lang="ko-KR" altLang="en-US"/>
           </a:p>
@@ -2909,7 +2909,7 @@
           <a:p>
             <a:fld id="{F2FBEA0F-6E54-445A-AB82-3230F0799B3D}" type="datetimeFigureOut">
               <a:rPr lang="ko-KR" altLang="en-US" smtClean="0"/>
-              <a:t>2019-05-23</a:t>
+              <a:t>2019-05-24</a:t>
             </a:fld>
             <a:endParaRPr lang="ko-KR" altLang="en-US"/>
           </a:p>
@@ -3326,49 +3326,101 @@
           <a:chExt cx="0" cy="0"/>
         </a:xfrm>
       </p:grpSpPr>
+      <p:sp>
+        <p:nvSpPr>
+          <p:cNvPr id="50" name="TextBox 49">
+            <a:extLst>
+              <a:ext uri="{FF2B5EF4-FFF2-40B4-BE49-F238E27FC236}">
+                <a16:creationId xmlns:a16="http://schemas.microsoft.com/office/drawing/2014/main" id="{76CE5FDF-21D9-4BAA-847C-8665A71AED18}"/>
+              </a:ext>
+            </a:extLst>
+          </p:cNvPr>
+          <p:cNvSpPr txBox="1"/>
+          <p:nvPr/>
+        </p:nvSpPr>
+        <p:spPr>
+          <a:xfrm>
+            <a:off x="500929" y="10839489"/>
+            <a:ext cx="20381768" cy="7786747"/>
+          </a:xfrm>
+          <a:prstGeom prst="rect">
+            <a:avLst/>
+          </a:prstGeom>
+          <a:noFill/>
+          <a:ln w="28575">
+            <a:solidFill>
+              <a:srgbClr val="0070C0"/>
+            </a:solidFill>
+            <a:prstDash val="solid"/>
+          </a:ln>
+        </p:spPr>
+        <p:txBody>
+          <a:bodyPr wrap="square" rtlCol="0">
+            <a:spAutoFit/>
+          </a:bodyPr>
+          <a:lstStyle/>
+          <a:p>
+            <a:endParaRPr lang="ko-KR" altLang="en-US" sz="50000" dirty="0"/>
+          </a:p>
+        </p:txBody>
+      </p:sp>
       <p:pic>
         <p:nvPicPr>
-          <p:cNvPr id="1025" name="_x221009608">
-            <a:extLst>
-              <a:ext uri="{FF2B5EF4-FFF2-40B4-BE49-F238E27FC236}">
-                <a16:creationId xmlns:a16="http://schemas.microsoft.com/office/drawing/2014/main" id="{FC8A9386-9AED-4ED3-954C-A1FE3190DF5D}"/>
+          <p:cNvPr id="73" name="그림 72">
+            <a:extLst>
+              <a:ext uri="{FF2B5EF4-FFF2-40B4-BE49-F238E27FC236}">
+                <a16:creationId xmlns:a16="http://schemas.microsoft.com/office/drawing/2014/main" id="{288FECC2-B6D2-458B-AB70-9FC7B764E8E6}"/>
               </a:ext>
             </a:extLst>
           </p:cNvPr>
           <p:cNvPicPr>
-            <a:picLocks noChangeAspect="1" noChangeArrowheads="1"/>
+            <a:picLocks noChangeAspect="1"/>
+          </p:cNvPicPr>
+          <p:nvPr/>
+        </p:nvPicPr>
+        <p:blipFill rotWithShape="1">
+          <a:blip r:embed="rId2"/>
+          <a:srcRect l="193" t="10139" r="21992" b="17845"/>
+          <a:stretch/>
+        </p:blipFill>
+        <p:spPr>
+          <a:xfrm>
+            <a:off x="10241668" y="12296238"/>
+            <a:ext cx="10310185" cy="5963626"/>
+          </a:xfrm>
+          <a:prstGeom prst="rect">
+            <a:avLst/>
+          </a:prstGeom>
+        </p:spPr>
+      </p:pic>
+      <p:pic>
+        <p:nvPicPr>
+          <p:cNvPr id="68" name="그림 67">
+            <a:extLst>
+              <a:ext uri="{FF2B5EF4-FFF2-40B4-BE49-F238E27FC236}">
+                <a16:creationId xmlns:a16="http://schemas.microsoft.com/office/drawing/2014/main" id="{C414FF1F-2717-40E3-8CF5-1CF9F2D2ED9C}"/>
+              </a:ext>
+            </a:extLst>
+          </p:cNvPr>
+          <p:cNvPicPr>
+            <a:picLocks noChangeAspect="1"/>
           </p:cNvPicPr>
           <p:nvPr/>
         </p:nvPicPr>
         <p:blipFill>
-          <a:blip r:embed="rId2">
-            <a:extLst>
-              <a:ext uri="{28A0092B-C50C-407E-A947-70E740481C1C}">
-                <a14:useLocalDpi xmlns:a14="http://schemas.microsoft.com/office/drawing/2010/main" val="0"/>
-              </a:ext>
-            </a:extLst>
-          </a:blip>
-          <a:srcRect/>
-          <a:stretch/>
+          <a:blip r:embed="rId3"/>
+          <a:stretch>
+            <a:fillRect/>
+          </a:stretch>
         </p:blipFill>
-        <p:spPr bwMode="auto">
-          <a:xfrm>
-            <a:off x="9671415" y="12444053"/>
-            <a:ext cx="11093006" cy="4925111"/>
+        <p:spPr>
+          <a:xfrm>
+            <a:off x="7299149" y="15411509"/>
+            <a:ext cx="5998207" cy="2913618"/>
           </a:xfrm>
           <a:prstGeom prst="rect">
             <a:avLst/>
           </a:prstGeom>
-          <a:noFill/>
-          <a:extLst>
-            <a:ext uri="{909E8E84-426E-40DD-AFC4-6F175D3DCCD1}">
-              <a14:hiddenFill xmlns:a14="http://schemas.microsoft.com/office/drawing/2010/main">
-                <a:solidFill>
-                  <a:srgbClr val="FFFFFF"/>
-                </a:solidFill>
-              </a14:hiddenFill>
-            </a:ext>
-          </a:extLst>
         </p:spPr>
       </p:pic>
       <p:sp>
@@ -3565,36 +3617,6 @@
           <p:nvPr/>
         </p:nvPicPr>
         <p:blipFill>
-          <a:blip r:embed="rId3"/>
-          <a:stretch>
-            <a:fillRect/>
-          </a:stretch>
-        </p:blipFill>
-        <p:spPr>
-          <a:xfrm>
-            <a:off x="5239723" y="5611713"/>
-            <a:ext cx="366645" cy="411796"/>
-          </a:xfrm>
-          <a:prstGeom prst="rect">
-            <a:avLst/>
-          </a:prstGeom>
-        </p:spPr>
-      </p:pic>
-      <p:pic>
-        <p:nvPicPr>
-          <p:cNvPr id="8" name="그래픽 20" descr="데이터베이스">
-            <a:extLst>
-              <a:ext uri="{FF2B5EF4-FFF2-40B4-BE49-F238E27FC236}">
-                <a16:creationId xmlns:a16="http://schemas.microsoft.com/office/drawing/2014/main" id="{10D98FC5-FBC8-45AA-9400-3DAABE100AC1}"/>
-              </a:ext>
-            </a:extLst>
-          </p:cNvPr>
-          <p:cNvPicPr>
-            <a:picLocks noChangeAspect="1"/>
-          </p:cNvPicPr>
-          <p:nvPr/>
-        </p:nvPicPr>
-        <p:blipFill>
           <a:blip r:embed="rId4"/>
           <a:stretch>
             <a:fillRect/>
@@ -3602,8 +3624,8 @@
         </p:blipFill>
         <p:spPr>
           <a:xfrm>
-            <a:off x="8577390" y="5345522"/>
-            <a:ext cx="1848416" cy="1670256"/>
+            <a:off x="5239723" y="5611713"/>
+            <a:ext cx="366645" cy="411796"/>
           </a:xfrm>
           <a:prstGeom prst="rect">
             <a:avLst/>
@@ -3612,10 +3634,10 @@
       </p:pic>
       <p:pic>
         <p:nvPicPr>
-          <p:cNvPr id="9" name="그림 8">
-            <a:extLst>
-              <a:ext uri="{FF2B5EF4-FFF2-40B4-BE49-F238E27FC236}">
-                <a16:creationId xmlns:a16="http://schemas.microsoft.com/office/drawing/2014/main" id="{1C7A0C22-D47E-48F7-91E6-38AAD1C55FCA}"/>
+          <p:cNvPr id="8" name="그래픽 20" descr="데이터베이스">
+            <a:extLst>
+              <a:ext uri="{FF2B5EF4-FFF2-40B4-BE49-F238E27FC236}">
+                <a16:creationId xmlns:a16="http://schemas.microsoft.com/office/drawing/2014/main" id="{10D98FC5-FBC8-45AA-9400-3DAABE100AC1}"/>
               </a:ext>
             </a:extLst>
           </p:cNvPr>
@@ -3626,6 +3648,36 @@
         </p:nvPicPr>
         <p:blipFill>
           <a:blip r:embed="rId5"/>
+          <a:stretch>
+            <a:fillRect/>
+          </a:stretch>
+        </p:blipFill>
+        <p:spPr>
+          <a:xfrm>
+            <a:off x="8577390" y="5345522"/>
+            <a:ext cx="1848416" cy="1670256"/>
+          </a:xfrm>
+          <a:prstGeom prst="rect">
+            <a:avLst/>
+          </a:prstGeom>
+        </p:spPr>
+      </p:pic>
+      <p:pic>
+        <p:nvPicPr>
+          <p:cNvPr id="9" name="그림 8">
+            <a:extLst>
+              <a:ext uri="{FF2B5EF4-FFF2-40B4-BE49-F238E27FC236}">
+                <a16:creationId xmlns:a16="http://schemas.microsoft.com/office/drawing/2014/main" id="{1C7A0C22-D47E-48F7-91E6-38AAD1C55FCA}"/>
+              </a:ext>
+            </a:extLst>
+          </p:cNvPr>
+          <p:cNvPicPr>
+            <a:picLocks noChangeAspect="1"/>
+          </p:cNvPicPr>
+          <p:nvPr/>
+        </p:nvPicPr>
+        <p:blipFill>
+          <a:blip r:embed="rId6"/>
           <a:stretch>
             <a:fillRect/>
           </a:stretch>
@@ -3955,7 +4007,7 @@
           <p:nvPr/>
         </p:nvPicPr>
         <p:blipFill>
-          <a:blip r:embed="rId6"/>
+          <a:blip r:embed="rId7"/>
           <a:stretch>
             <a:fillRect/>
           </a:stretch>
@@ -3985,7 +4037,7 @@
           <p:nvPr/>
         </p:nvPicPr>
         <p:blipFill>
-          <a:blip r:embed="rId7"/>
+          <a:blip r:embed="rId8"/>
           <a:stretch>
             <a:fillRect/>
           </a:stretch>
@@ -4074,7 +4126,7 @@
           <p:nvPr/>
         </p:nvPicPr>
         <p:blipFill>
-          <a:blip r:embed="rId8" cstate="print">
+          <a:blip r:embed="rId9" cstate="print">
             <a:extLst>
               <a:ext uri="{28A0092B-C50C-407E-A947-70E740481C1C}">
                 <a14:useLocalDpi xmlns:a14="http://schemas.microsoft.com/office/drawing/2010/main" val="0"/>
@@ -4115,7 +4167,7 @@
           <p:nvPr/>
         </p:nvPicPr>
         <p:blipFill>
-          <a:blip r:embed="rId9" cstate="print">
+          <a:blip r:embed="rId10" cstate="print">
             <a:extLst>
               <a:ext uri="{28A0092B-C50C-407E-A947-70E740481C1C}">
                 <a14:useLocalDpi xmlns:a14="http://schemas.microsoft.com/office/drawing/2010/main" val="0"/>
@@ -4156,7 +4208,7 @@
           <p:nvPr/>
         </p:nvPicPr>
         <p:blipFill>
-          <a:blip r:embed="rId10" cstate="print">
+          <a:blip r:embed="rId11" cstate="print">
             <a:extLst>
               <a:ext uri="{28A0092B-C50C-407E-A947-70E740481C1C}">
                 <a14:useLocalDpi xmlns:a14="http://schemas.microsoft.com/office/drawing/2010/main" val="0"/>
@@ -4287,13 +4339,13 @@
           <p:nvPr/>
         </p:nvPicPr>
         <p:blipFill>
-          <a:blip r:embed="rId11" cstate="print">
+          <a:blip r:embed="rId12" cstate="print">
             <a:extLst>
               <a:ext uri="{28A0092B-C50C-407E-A947-70E740481C1C}">
                 <a14:useLocalDpi xmlns:a14="http://schemas.microsoft.com/office/drawing/2010/main" val="0"/>
               </a:ext>
               <a:ext uri="{96DAC541-7B7A-43D3-8B79-37D633B846F1}">
-                <asvg:svgBlip xmlns:asvg="http://schemas.microsoft.com/office/drawing/2016/SVG/main" r:embed="rId12"/>
+                <asvg:svgBlip xmlns:asvg="http://schemas.microsoft.com/office/drawing/2016/SVG/main" r:embed="rId13"/>
               </a:ext>
             </a:extLst>
           </a:blip>
@@ -4544,7 +4596,7 @@
           <p:nvPr/>
         </p:nvPicPr>
         <p:blipFill>
-          <a:blip r:embed="rId13">
+          <a:blip r:embed="rId14">
             <a:extLst>
               <a:ext uri="{28A0092B-C50C-407E-A947-70E740481C1C}">
                 <a14:useLocalDpi xmlns:a14="http://schemas.microsoft.com/office/drawing/2010/main" val="0"/>
@@ -4997,44 +5049,6 @@
       </p:grpSp>
       <p:sp>
         <p:nvSpPr>
-          <p:cNvPr id="50" name="TextBox 49">
-            <a:extLst>
-              <a:ext uri="{FF2B5EF4-FFF2-40B4-BE49-F238E27FC236}">
-                <a16:creationId xmlns:a16="http://schemas.microsoft.com/office/drawing/2014/main" id="{76CE5FDF-21D9-4BAA-847C-8665A71AED18}"/>
-              </a:ext>
-            </a:extLst>
-          </p:cNvPr>
-          <p:cNvSpPr txBox="1"/>
-          <p:nvPr/>
-        </p:nvSpPr>
-        <p:spPr>
-          <a:xfrm>
-            <a:off x="481228" y="10868466"/>
-            <a:ext cx="20381768" cy="7786747"/>
-          </a:xfrm>
-          <a:prstGeom prst="rect">
-            <a:avLst/>
-          </a:prstGeom>
-          <a:noFill/>
-          <a:ln w="28575">
-            <a:solidFill>
-              <a:srgbClr val="0070C0"/>
-            </a:solidFill>
-            <a:prstDash val="solid"/>
-          </a:ln>
-        </p:spPr>
-        <p:txBody>
-          <a:bodyPr wrap="square" rtlCol="0">
-            <a:spAutoFit/>
-          </a:bodyPr>
-          <a:lstStyle/>
-          <a:p>
-            <a:endParaRPr lang="ko-KR" altLang="en-US" sz="50000" dirty="0"/>
-          </a:p>
-        </p:txBody>
-      </p:sp>
-      <p:sp>
-        <p:nvSpPr>
           <p:cNvPr id="51" name="TextBox 50">
             <a:extLst>
               <a:ext uri="{FF2B5EF4-FFF2-40B4-BE49-F238E27FC236}">
@@ -5296,8 +5310,8 @@
         </p:nvCxnSpPr>
         <p:spPr>
           <a:xfrm>
-            <a:off x="10768012" y="12004963"/>
-            <a:ext cx="10108150" cy="0"/>
+            <a:off x="10768012" y="11989723"/>
+            <a:ext cx="10114685" cy="0"/>
           </a:xfrm>
           <a:prstGeom prst="line">
             <a:avLst/>
@@ -5784,36 +5798,6 @@
           </a:p>
         </p:txBody>
       </p:sp>
-      <p:pic>
-        <p:nvPicPr>
-          <p:cNvPr id="63" name="그림 62">
-            <a:extLst>
-              <a:ext uri="{FF2B5EF4-FFF2-40B4-BE49-F238E27FC236}">
-                <a16:creationId xmlns:a16="http://schemas.microsoft.com/office/drawing/2014/main" id="{D5F905A8-8FC5-4D78-B0F5-6B05988EDC44}"/>
-              </a:ext>
-            </a:extLst>
-          </p:cNvPr>
-          <p:cNvPicPr>
-            <a:picLocks noChangeAspect="1"/>
-          </p:cNvPicPr>
-          <p:nvPr/>
-        </p:nvPicPr>
-        <p:blipFill>
-          <a:blip r:embed="rId14"/>
-          <a:stretch>
-            <a:fillRect/>
-          </a:stretch>
-        </p:blipFill>
-        <p:spPr>
-          <a:xfrm>
-            <a:off x="1851897" y="11053012"/>
-            <a:ext cx="7502307" cy="4417567"/>
-          </a:xfrm>
-          <a:prstGeom prst="rect">
-            <a:avLst/>
-          </a:prstGeom>
-        </p:spPr>
-      </p:pic>
       <p:sp>
         <p:nvSpPr>
           <p:cNvPr id="1024" name="Rectangle 11">
@@ -6881,10 +6865,10 @@
       </p:sp>
       <p:sp>
         <p:nvSpPr>
-          <p:cNvPr id="86" name="TextBox 85">
-            <a:extLst>
-              <a:ext uri="{FF2B5EF4-FFF2-40B4-BE49-F238E27FC236}">
-                <a16:creationId xmlns:a16="http://schemas.microsoft.com/office/drawing/2014/main" id="{0577EF9F-5FAF-45AE-A2D9-435CC6E58AE2}"/>
+          <p:cNvPr id="87" name="TextBox 86">
+            <a:extLst>
+              <a:ext uri="{FF2B5EF4-FFF2-40B4-BE49-F238E27FC236}">
+                <a16:creationId xmlns:a16="http://schemas.microsoft.com/office/drawing/2014/main" id="{04DCDD79-0693-4ACB-8F47-EE0216DE3E27}"/>
               </a:ext>
             </a:extLst>
           </p:cNvPr>
@@ -6893,8 +6877,8 @@
         </p:nvSpPr>
         <p:spPr>
           <a:xfrm>
-            <a:off x="4379425" y="11437521"/>
-            <a:ext cx="2780442" cy="369332"/>
+            <a:off x="2615662" y="15743738"/>
+            <a:ext cx="3131947" cy="369332"/>
           </a:xfrm>
           <a:prstGeom prst="rect">
             <a:avLst/>
@@ -6929,7 +6913,7 @@
                   </a:outerShdw>
                 </a:effectLst>
               </a:rPr>
-              <a:t>각 호실 모니터링</a:t>
+              <a:t>호실 별 환자 모니터링</a:t>
             </a:r>
             <a:r>
               <a:rPr lang="en-US" altLang="ko-KR" b="1" dirty="0">
@@ -6957,10 +6941,10 @@
       </p:sp>
       <p:sp>
         <p:nvSpPr>
-          <p:cNvPr id="87" name="TextBox 86">
-            <a:extLst>
-              <a:ext uri="{FF2B5EF4-FFF2-40B4-BE49-F238E27FC236}">
-                <a16:creationId xmlns:a16="http://schemas.microsoft.com/office/drawing/2014/main" id="{04DCDD79-0693-4ACB-8F47-EE0216DE3E27}"/>
+          <p:cNvPr id="88" name="TextBox 87">
+            <a:extLst>
+              <a:ext uri="{FF2B5EF4-FFF2-40B4-BE49-F238E27FC236}">
+                <a16:creationId xmlns:a16="http://schemas.microsoft.com/office/drawing/2014/main" id="{DCF9D4C0-DF25-41D8-9EDA-6418C5E01915}"/>
               </a:ext>
             </a:extLst>
           </p:cNvPr>
@@ -6969,8 +6953,8 @@
         </p:nvSpPr>
         <p:spPr>
           <a:xfrm>
-            <a:off x="2826838" y="15837817"/>
-            <a:ext cx="2402009" cy="369332"/>
+            <a:off x="15389316" y="13088011"/>
+            <a:ext cx="2561343" cy="369332"/>
           </a:xfrm>
           <a:prstGeom prst="rect">
             <a:avLst/>
@@ -6996,6 +6980,18 @@
               <a:t>&lt;</a:t>
             </a:r>
             <a:r>
+              <a:rPr lang="ko-KR" altLang="en-US" b="1" dirty="0" err="1">
+                <a:effectLst>
+                  <a:outerShdw blurRad="38100" dist="38100" dir="2700000" algn="tl">
+                    <a:srgbClr val="000000">
+                      <a:alpha val="43137"/>
+                    </a:srgbClr>
+                  </a:outerShdw>
+                </a:effectLst>
+              </a:rPr>
+              <a:t>환자별</a:t>
+            </a:r>
+            <a:r>
               <a:rPr lang="ko-KR" altLang="en-US" b="1" dirty="0">
                 <a:effectLst>
                   <a:outerShdw blurRad="38100" dist="38100" dir="2700000" algn="tl">
@@ -7005,7 +7001,7 @@
                   </a:outerShdw>
                 </a:effectLst>
               </a:rPr>
-              <a:t>호실 별 모니터링</a:t>
+              <a:t> 서비스 이력</a:t>
             </a:r>
             <a:r>
               <a:rPr lang="en-US" altLang="ko-KR" b="1" dirty="0">
@@ -7031,12 +7027,306 @@
           </a:p>
         </p:txBody>
       </p:sp>
+      <p:sp>
+        <p:nvSpPr>
+          <p:cNvPr id="33" name="TextBox 32">
+            <a:extLst>
+              <a:ext uri="{FF2B5EF4-FFF2-40B4-BE49-F238E27FC236}">
+                <a16:creationId xmlns:a16="http://schemas.microsoft.com/office/drawing/2014/main" id="{FD6D9057-02B9-4A61-A8C0-9DD3FE755B7A}"/>
+              </a:ext>
+            </a:extLst>
+          </p:cNvPr>
+          <p:cNvSpPr txBox="1"/>
+          <p:nvPr/>
+        </p:nvSpPr>
+        <p:spPr>
+          <a:xfrm>
+            <a:off x="11271126" y="9366756"/>
+            <a:ext cx="9603327" cy="1985159"/>
+          </a:xfrm>
+          <a:prstGeom prst="rect">
+            <a:avLst/>
+          </a:prstGeom>
+          <a:noFill/>
+          <a:ln w="28575">
+            <a:solidFill>
+              <a:srgbClr val="0070C0"/>
+            </a:solidFill>
+            <a:prstDash val="solid"/>
+          </a:ln>
+        </p:spPr>
+        <p:txBody>
+          <a:bodyPr wrap="square" rtlCol="0">
+            <a:spAutoFit/>
+          </a:bodyPr>
+          <a:lstStyle/>
+          <a:p>
+            <a:endParaRPr lang="ko-KR" altLang="en-US" sz="12300" dirty="0"/>
+          </a:p>
+        </p:txBody>
+      </p:sp>
+      <p:sp>
+        <p:nvSpPr>
+          <p:cNvPr id="3" name="TextBox 2">
+            <a:extLst>
+              <a:ext uri="{FF2B5EF4-FFF2-40B4-BE49-F238E27FC236}">
+                <a16:creationId xmlns:a16="http://schemas.microsoft.com/office/drawing/2014/main" id="{0DF26B12-8F40-489F-A95C-924371E23A1D}"/>
+              </a:ext>
+            </a:extLst>
+          </p:cNvPr>
+          <p:cNvSpPr txBox="1"/>
+          <p:nvPr/>
+        </p:nvSpPr>
+        <p:spPr>
+          <a:xfrm>
+            <a:off x="11567621" y="9499557"/>
+            <a:ext cx="8127064" cy="1682961"/>
+          </a:xfrm>
+          <a:prstGeom prst="rect">
+            <a:avLst/>
+          </a:prstGeom>
+          <a:noFill/>
+        </p:spPr>
+        <p:txBody>
+          <a:bodyPr wrap="square" rtlCol="0">
+            <a:spAutoFit/>
+          </a:bodyPr>
+          <a:lstStyle/>
+          <a:p>
+            <a:pPr marL="457200" indent="-457200">
+              <a:lnSpc>
+                <a:spcPct val="150000"/>
+              </a:lnSpc>
+              <a:buAutoNum type="arabicPeriod"/>
+            </a:pPr>
+            <a:r>
+              <a:rPr lang="ko-KR" altLang="en-US" sz="2400" dirty="0">
+                <a:effectLst>
+                  <a:outerShdw blurRad="38100" dist="38100" dir="2700000" algn="tl">
+                    <a:srgbClr val="000000">
+                      <a:alpha val="43137"/>
+                    </a:srgbClr>
+                  </a:outerShdw>
+                </a:effectLst>
+              </a:rPr>
+              <a:t>환자의 존엄성 보호</a:t>
+            </a:r>
+            <a:endParaRPr lang="en-US" altLang="ko-KR" sz="2400" dirty="0">
+              <a:effectLst>
+                <a:outerShdw blurRad="38100" dist="38100" dir="2700000" algn="tl">
+                  <a:srgbClr val="000000">
+                    <a:alpha val="43137"/>
+                  </a:srgbClr>
+                </a:outerShdw>
+              </a:effectLst>
+            </a:endParaRPr>
+          </a:p>
+          <a:p>
+            <a:pPr marL="457200" indent="-457200">
+              <a:lnSpc>
+                <a:spcPct val="150000"/>
+              </a:lnSpc>
+              <a:buAutoNum type="arabicPeriod"/>
+            </a:pPr>
+            <a:r>
+              <a:rPr lang="ko-KR" altLang="en-US" sz="2400" dirty="0">
+                <a:effectLst>
+                  <a:outerShdw blurRad="38100" dist="38100" dir="2700000" algn="tl">
+                    <a:srgbClr val="000000">
+                      <a:alpha val="43137"/>
+                    </a:srgbClr>
+                  </a:outerShdw>
+                </a:effectLst>
+              </a:rPr>
+              <a:t>업무의 효율성 증대</a:t>
+            </a:r>
+            <a:endParaRPr lang="en-US" altLang="ko-KR" sz="2400" dirty="0"/>
+          </a:p>
+          <a:p>
+            <a:pPr>
+              <a:lnSpc>
+                <a:spcPct val="150000"/>
+              </a:lnSpc>
+            </a:pPr>
+            <a:r>
+              <a:rPr lang="en-US" altLang="ko-KR" sz="2400" dirty="0">
+                <a:effectLst>
+                  <a:outerShdw blurRad="38100" dist="38100" dir="2700000" algn="tl">
+                    <a:srgbClr val="000000">
+                      <a:alpha val="43137"/>
+                    </a:srgbClr>
+                  </a:outerShdw>
+                </a:effectLst>
+              </a:rPr>
+              <a:t>3.  </a:t>
+            </a:r>
+            <a:r>
+              <a:rPr lang="ko-KR" altLang="en-US" sz="2400" dirty="0">
+                <a:effectLst>
+                  <a:outerShdw blurRad="38100" dist="38100" dir="2700000" algn="tl">
+                    <a:srgbClr val="000000">
+                      <a:alpha val="43137"/>
+                    </a:srgbClr>
+                  </a:outerShdw>
+                </a:effectLst>
+              </a:rPr>
+              <a:t>서비스의 신뢰성 향상</a:t>
+            </a:r>
+            <a:endParaRPr lang="ko-KR" altLang="en-US" sz="2400" dirty="0"/>
+          </a:p>
+        </p:txBody>
+      </p:sp>
+      <p:sp>
+        <p:nvSpPr>
+          <p:cNvPr id="34" name="TextBox 33">
+            <a:extLst>
+              <a:ext uri="{FF2B5EF4-FFF2-40B4-BE49-F238E27FC236}">
+                <a16:creationId xmlns:a16="http://schemas.microsoft.com/office/drawing/2014/main" id="{DE9267A8-8CEE-4B21-A040-F26F9C48F354}"/>
+              </a:ext>
+            </a:extLst>
+          </p:cNvPr>
+          <p:cNvSpPr txBox="1"/>
+          <p:nvPr/>
+        </p:nvSpPr>
+        <p:spPr>
+          <a:xfrm>
+            <a:off x="14927620" y="9072608"/>
+            <a:ext cx="2501319" cy="609077"/>
+          </a:xfrm>
+          <a:prstGeom prst="rect">
+            <a:avLst/>
+          </a:prstGeom>
+          <a:noFill/>
+        </p:spPr>
+        <p:txBody>
+          <a:bodyPr wrap="square" rtlCol="0">
+            <a:spAutoFit/>
+          </a:bodyPr>
+          <a:lstStyle/>
+          <a:p>
+            <a:r>
+              <a:rPr lang="en-US" altLang="ko-KR" sz="3358" dirty="0">
+                <a:solidFill>
+                  <a:srgbClr val="ECFDFE"/>
+                </a:solidFill>
+                <a:highlight>
+                  <a:srgbClr val="ECFDFE"/>
+                </a:highlight>
+              </a:rPr>
+              <a:t>0</a:t>
+            </a:r>
+            <a:r>
+              <a:rPr lang="ko-KR" altLang="en-US" sz="3358" dirty="0">
+                <a:highlight>
+                  <a:srgbClr val="ECFDFE"/>
+                </a:highlight>
+              </a:rPr>
+              <a:t>기대효과</a:t>
+            </a:r>
+            <a:r>
+              <a:rPr lang="en-US" altLang="ko-KR" sz="3358" dirty="0">
+                <a:solidFill>
+                  <a:srgbClr val="ECFDFE"/>
+                </a:solidFill>
+                <a:highlight>
+                  <a:srgbClr val="ECFDFE"/>
+                </a:highlight>
+              </a:rPr>
+              <a:t>0</a:t>
+            </a:r>
+            <a:endParaRPr lang="ko-KR" altLang="en-US" sz="3358" dirty="0">
+              <a:solidFill>
+                <a:srgbClr val="ECFDFE"/>
+              </a:solidFill>
+              <a:highlight>
+                <a:srgbClr val="ECFDFE"/>
+              </a:highlight>
+            </a:endParaRPr>
+          </a:p>
+        </p:txBody>
+      </p:sp>
+      <p:sp>
+        <p:nvSpPr>
+          <p:cNvPr id="90" name="TextBox 89">
+            <a:extLst>
+              <a:ext uri="{FF2B5EF4-FFF2-40B4-BE49-F238E27FC236}">
+                <a16:creationId xmlns:a16="http://schemas.microsoft.com/office/drawing/2014/main" id="{3D8302D6-1E97-484B-89A3-A8895F222910}"/>
+              </a:ext>
+            </a:extLst>
+          </p:cNvPr>
+          <p:cNvSpPr txBox="1"/>
+          <p:nvPr/>
+        </p:nvSpPr>
+        <p:spPr>
+          <a:xfrm>
+            <a:off x="9001759" y="15646219"/>
+            <a:ext cx="3077853" cy="369332"/>
+          </a:xfrm>
+          <a:prstGeom prst="rect">
+            <a:avLst/>
+          </a:prstGeom>
+          <a:noFill/>
+        </p:spPr>
+        <p:txBody>
+          <a:bodyPr wrap="square" rtlCol="0">
+            <a:spAutoFit/>
+          </a:bodyPr>
+          <a:lstStyle/>
+          <a:p>
+            <a:r>
+              <a:rPr lang="en-US" altLang="ko-KR" b="1" dirty="0">
+                <a:effectLst>
+                  <a:outerShdw blurRad="38100" dist="38100" dir="2700000" algn="tl">
+                    <a:srgbClr val="000000">
+                      <a:alpha val="43137"/>
+                    </a:srgbClr>
+                  </a:outerShdw>
+                </a:effectLst>
+              </a:rPr>
+              <a:t>&lt;</a:t>
+            </a:r>
+            <a:r>
+              <a:rPr lang="ko-KR" altLang="en-US" b="1" dirty="0">
+                <a:effectLst>
+                  <a:outerShdw blurRad="38100" dist="38100" dir="2700000" algn="tl">
+                    <a:srgbClr val="000000">
+                      <a:alpha val="43137"/>
+                    </a:srgbClr>
+                  </a:outerShdw>
+                </a:effectLst>
+              </a:rPr>
+              <a:t>전체 환자 조회 및 관리</a:t>
+            </a:r>
+            <a:r>
+              <a:rPr lang="en-US" altLang="ko-KR" b="1" dirty="0">
+                <a:effectLst>
+                  <a:outerShdw blurRad="38100" dist="38100" dir="2700000" algn="tl">
+                    <a:srgbClr val="000000">
+                      <a:alpha val="43137"/>
+                    </a:srgbClr>
+                  </a:outerShdw>
+                </a:effectLst>
+              </a:rPr>
+              <a:t>&gt;</a:t>
+            </a:r>
+            <a:endParaRPr lang="ko-KR" altLang="en-US" b="1" dirty="0">
+              <a:effectLst>
+                <a:outerShdw blurRad="38100" dist="38100" dir="2700000" algn="tl">
+                  <a:srgbClr val="000000">
+                    <a:alpha val="43137"/>
+                  </a:srgbClr>
+                </a:outerShdw>
+              </a:effectLst>
+            </a:endParaRPr>
+          </a:p>
+        </p:txBody>
+      </p:sp>
       <p:pic>
         <p:nvPicPr>
-          <p:cNvPr id="1039" name="그림 1038">
-            <a:extLst>
-              <a:ext uri="{FF2B5EF4-FFF2-40B4-BE49-F238E27FC236}">
-                <a16:creationId xmlns:a16="http://schemas.microsoft.com/office/drawing/2014/main" id="{1283F056-D1C6-412A-A6DA-0C30268ED9CF}"/>
+          <p:cNvPr id="69" name="그림 68">
+            <a:extLst>
+              <a:ext uri="{FF2B5EF4-FFF2-40B4-BE49-F238E27FC236}">
+                <a16:creationId xmlns:a16="http://schemas.microsoft.com/office/drawing/2014/main" id="{31C586A4-0DCA-47DE-BA7F-F91E9EAB9DBB}"/>
               </a:ext>
             </a:extLst>
           </p:cNvPr>
@@ -7053,8 +7343,8 @@
         </p:blipFill>
         <p:spPr>
           <a:xfrm>
-            <a:off x="7355733" y="15379409"/>
-            <a:ext cx="6553811" cy="2925884"/>
+            <a:off x="729402" y="11040634"/>
+            <a:ext cx="9360245" cy="4381866"/>
           </a:xfrm>
           <a:prstGeom prst="rect">
             <a:avLst/>
@@ -7063,10 +7353,10 @@
       </p:pic>
       <p:sp>
         <p:nvSpPr>
-          <p:cNvPr id="90" name="TextBox 89">
-            <a:extLst>
-              <a:ext uri="{FF2B5EF4-FFF2-40B4-BE49-F238E27FC236}">
-                <a16:creationId xmlns:a16="http://schemas.microsoft.com/office/drawing/2014/main" id="{3D8302D6-1E97-484B-89A3-A8895F222910}"/>
+          <p:cNvPr id="86" name="TextBox 85">
+            <a:extLst>
+              <a:ext uri="{FF2B5EF4-FFF2-40B4-BE49-F238E27FC236}">
+                <a16:creationId xmlns:a16="http://schemas.microsoft.com/office/drawing/2014/main" id="{0577EF9F-5FAF-45AE-A2D9-435CC6E58AE2}"/>
               </a:ext>
             </a:extLst>
           </p:cNvPr>
@@ -7075,8 +7365,8 @@
         </p:nvSpPr>
         <p:spPr>
           <a:xfrm>
-            <a:off x="9387586" y="15621754"/>
-            <a:ext cx="3112096" cy="369332"/>
+            <a:off x="4276202" y="11510213"/>
+            <a:ext cx="2780442" cy="369332"/>
           </a:xfrm>
           <a:prstGeom prst="rect">
             <a:avLst/>
@@ -7111,7 +7401,7 @@
                   </a:outerShdw>
                 </a:effectLst>
               </a:rPr>
-              <a:t>전체 환자 조회 및 관리</a:t>
+              <a:t>각 호실 모니터링</a:t>
             </a:r>
             <a:r>
               <a:rPr lang="en-US" altLang="ko-KR" b="1" dirty="0">
@@ -7133,300 +7423,6 @@
                   </a:srgbClr>
                 </a:outerShdw>
               </a:effectLst>
-            </a:endParaRPr>
-          </a:p>
-        </p:txBody>
-      </p:sp>
-      <p:sp>
-        <p:nvSpPr>
-          <p:cNvPr id="88" name="TextBox 87">
-            <a:extLst>
-              <a:ext uri="{FF2B5EF4-FFF2-40B4-BE49-F238E27FC236}">
-                <a16:creationId xmlns:a16="http://schemas.microsoft.com/office/drawing/2014/main" id="{DCF9D4C0-DF25-41D8-9EDA-6418C5E01915}"/>
-              </a:ext>
-            </a:extLst>
-          </p:cNvPr>
-          <p:cNvSpPr txBox="1"/>
-          <p:nvPr/>
-        </p:nvSpPr>
-        <p:spPr>
-          <a:xfrm>
-            <a:off x="14156937" y="13010625"/>
-            <a:ext cx="2121961" cy="369332"/>
-          </a:xfrm>
-          <a:prstGeom prst="rect">
-            <a:avLst/>
-          </a:prstGeom>
-          <a:noFill/>
-        </p:spPr>
-        <p:txBody>
-          <a:bodyPr wrap="square" rtlCol="0">
-            <a:spAutoFit/>
-          </a:bodyPr>
-          <a:lstStyle/>
-          <a:p>
-            <a:r>
-              <a:rPr lang="en-US" altLang="ko-KR" b="1" dirty="0">
-                <a:effectLst>
-                  <a:outerShdw blurRad="38100" dist="38100" dir="2700000" algn="tl">
-                    <a:srgbClr val="000000">
-                      <a:alpha val="43137"/>
-                    </a:srgbClr>
-                  </a:outerShdw>
-                </a:effectLst>
-              </a:rPr>
-              <a:t>&lt;</a:t>
-            </a:r>
-            <a:r>
-              <a:rPr lang="ko-KR" altLang="en-US" b="1" dirty="0">
-                <a:effectLst>
-                  <a:outerShdw blurRad="38100" dist="38100" dir="2700000" algn="tl">
-                    <a:srgbClr val="000000">
-                      <a:alpha val="43137"/>
-                    </a:srgbClr>
-                  </a:outerShdw>
-                </a:effectLst>
-              </a:rPr>
-              <a:t>환자 이력 조회</a:t>
-            </a:r>
-            <a:r>
-              <a:rPr lang="en-US" altLang="ko-KR" b="1" dirty="0">
-                <a:effectLst>
-                  <a:outerShdw blurRad="38100" dist="38100" dir="2700000" algn="tl">
-                    <a:srgbClr val="000000">
-                      <a:alpha val="43137"/>
-                    </a:srgbClr>
-                  </a:outerShdw>
-                </a:effectLst>
-              </a:rPr>
-              <a:t>&gt;</a:t>
-            </a:r>
-            <a:endParaRPr lang="ko-KR" altLang="en-US" b="1" dirty="0">
-              <a:effectLst>
-                <a:outerShdw blurRad="38100" dist="38100" dir="2700000" algn="tl">
-                  <a:srgbClr val="000000">
-                    <a:alpha val="43137"/>
-                  </a:srgbClr>
-                </a:outerShdw>
-              </a:effectLst>
-            </a:endParaRPr>
-          </a:p>
-        </p:txBody>
-      </p:sp>
-      <p:sp>
-        <p:nvSpPr>
-          <p:cNvPr id="33" name="TextBox 32">
-            <a:extLst>
-              <a:ext uri="{FF2B5EF4-FFF2-40B4-BE49-F238E27FC236}">
-                <a16:creationId xmlns:a16="http://schemas.microsoft.com/office/drawing/2014/main" id="{FD6D9057-02B9-4A61-A8C0-9DD3FE755B7A}"/>
-              </a:ext>
-            </a:extLst>
-          </p:cNvPr>
-          <p:cNvSpPr txBox="1"/>
-          <p:nvPr/>
-        </p:nvSpPr>
-        <p:spPr>
-          <a:xfrm>
-            <a:off x="11271126" y="9366756"/>
-            <a:ext cx="9603327" cy="1985159"/>
-          </a:xfrm>
-          <a:prstGeom prst="rect">
-            <a:avLst/>
-          </a:prstGeom>
-          <a:noFill/>
-          <a:ln w="28575">
-            <a:solidFill>
-              <a:srgbClr val="0070C0"/>
-            </a:solidFill>
-            <a:prstDash val="solid"/>
-          </a:ln>
-        </p:spPr>
-        <p:txBody>
-          <a:bodyPr wrap="square" rtlCol="0">
-            <a:spAutoFit/>
-          </a:bodyPr>
-          <a:lstStyle/>
-          <a:p>
-            <a:endParaRPr lang="ko-KR" altLang="en-US" sz="12300" dirty="0"/>
-          </a:p>
-        </p:txBody>
-      </p:sp>
-      <p:sp>
-        <p:nvSpPr>
-          <p:cNvPr id="3" name="TextBox 2">
-            <a:extLst>
-              <a:ext uri="{FF2B5EF4-FFF2-40B4-BE49-F238E27FC236}">
-                <a16:creationId xmlns:a16="http://schemas.microsoft.com/office/drawing/2014/main" id="{0DF26B12-8F40-489F-A95C-924371E23A1D}"/>
-              </a:ext>
-            </a:extLst>
-          </p:cNvPr>
-          <p:cNvSpPr txBox="1"/>
-          <p:nvPr/>
-        </p:nvSpPr>
-        <p:spPr>
-          <a:xfrm>
-            <a:off x="11567621" y="9499557"/>
-            <a:ext cx="8127064" cy="1682961"/>
-          </a:xfrm>
-          <a:prstGeom prst="rect">
-            <a:avLst/>
-          </a:prstGeom>
-          <a:noFill/>
-        </p:spPr>
-        <p:txBody>
-          <a:bodyPr wrap="square" rtlCol="0">
-            <a:spAutoFit/>
-          </a:bodyPr>
-          <a:lstStyle/>
-          <a:p>
-            <a:pPr marL="457200" indent="-457200">
-              <a:lnSpc>
-                <a:spcPct val="150000"/>
-              </a:lnSpc>
-              <a:buAutoNum type="arabicPeriod"/>
-            </a:pPr>
-            <a:r>
-              <a:rPr lang="ko-KR" altLang="en-US" sz="2400" dirty="0">
-                <a:effectLst>
-                  <a:outerShdw blurRad="38100" dist="38100" dir="2700000" algn="tl">
-                    <a:srgbClr val="000000">
-                      <a:alpha val="43137"/>
-                    </a:srgbClr>
-                  </a:outerShdw>
-                </a:effectLst>
-              </a:rPr>
-              <a:t>환자의 존엄성 보호</a:t>
-            </a:r>
-            <a:endParaRPr lang="en-US" altLang="ko-KR" sz="2400" dirty="0">
-              <a:effectLst>
-                <a:outerShdw blurRad="38100" dist="38100" dir="2700000" algn="tl">
-                  <a:srgbClr val="000000">
-                    <a:alpha val="43137"/>
-                  </a:srgbClr>
-                </a:outerShdw>
-              </a:effectLst>
-            </a:endParaRPr>
-          </a:p>
-          <a:p>
-            <a:pPr marL="457200" indent="-457200">
-              <a:lnSpc>
-                <a:spcPct val="150000"/>
-              </a:lnSpc>
-              <a:buAutoNum type="arabicPeriod"/>
-            </a:pPr>
-            <a:r>
-              <a:rPr lang="ko-KR" altLang="en-US" sz="2400" dirty="0">
-                <a:effectLst>
-                  <a:outerShdw blurRad="38100" dist="38100" dir="2700000" algn="tl">
-                    <a:srgbClr val="000000">
-                      <a:alpha val="43137"/>
-                    </a:srgbClr>
-                  </a:outerShdw>
-                </a:effectLst>
-              </a:rPr>
-              <a:t>업무의 효율성 증대</a:t>
-            </a:r>
-            <a:endParaRPr lang="en-US" altLang="ko-KR" sz="2400" dirty="0"/>
-          </a:p>
-          <a:p>
-            <a:pPr>
-              <a:lnSpc>
-                <a:spcPct val="150000"/>
-              </a:lnSpc>
-            </a:pPr>
-            <a:r>
-              <a:rPr lang="en-US" altLang="ko-KR" sz="2400" dirty="0">
-                <a:effectLst>
-                  <a:outerShdw blurRad="38100" dist="38100" dir="2700000" algn="tl">
-                    <a:srgbClr val="000000">
-                      <a:alpha val="43137"/>
-                    </a:srgbClr>
-                  </a:outerShdw>
-                </a:effectLst>
-              </a:rPr>
-              <a:t>3.  </a:t>
-            </a:r>
-            <a:r>
-              <a:rPr lang="ko-KR" altLang="en-US" sz="2400" dirty="0">
-                <a:effectLst>
-                  <a:outerShdw blurRad="38100" dist="38100" dir="2700000" algn="tl">
-                    <a:srgbClr val="000000">
-                      <a:alpha val="43137"/>
-                    </a:srgbClr>
-                  </a:outerShdw>
-                </a:effectLst>
-              </a:rPr>
-              <a:t>서비스의 신뢰성 향상</a:t>
-            </a:r>
-            <a:endParaRPr lang="ko-KR" altLang="en-US" sz="2400" dirty="0"/>
-          </a:p>
-        </p:txBody>
-      </p:sp>
-      <p:sp>
-        <p:nvSpPr>
-          <p:cNvPr id="34" name="TextBox 33">
-            <a:extLst>
-              <a:ext uri="{FF2B5EF4-FFF2-40B4-BE49-F238E27FC236}">
-                <a16:creationId xmlns:a16="http://schemas.microsoft.com/office/drawing/2014/main" id="{DE9267A8-8CEE-4B21-A040-F26F9C48F354}"/>
-              </a:ext>
-            </a:extLst>
-          </p:cNvPr>
-          <p:cNvSpPr txBox="1"/>
-          <p:nvPr/>
-        </p:nvSpPr>
-        <p:spPr>
-          <a:xfrm>
-            <a:off x="14927620" y="9072608"/>
-            <a:ext cx="2501319" cy="609077"/>
-          </a:xfrm>
-          <a:prstGeom prst="rect">
-            <a:avLst/>
-          </a:prstGeom>
-          <a:noFill/>
-        </p:spPr>
-        <p:txBody>
-          <a:bodyPr wrap="square" rtlCol="0">
-            <a:spAutoFit/>
-          </a:bodyPr>
-          <a:lstStyle/>
-          <a:p>
-            <a:r>
-              <a:rPr lang="en-US" altLang="ko-KR" sz="3358" dirty="0">
-                <a:solidFill>
-                  <a:srgbClr val="ECFDFE"/>
-                </a:solidFill>
-                <a:highlight>
-                  <a:srgbClr val="ECFDFE"/>
-                </a:highlight>
-              </a:rPr>
-              <a:t>0</a:t>
-            </a:r>
-            <a:r>
-              <a:rPr lang="ko-KR" altLang="en-US" sz="3358" dirty="0">
-                <a:highlight>
-                  <a:srgbClr val="ECFDFE"/>
-                </a:highlight>
-              </a:rPr>
-              <a:t>기대효과</a:t>
-            </a:r>
-            <a:r>
-              <a:rPr lang="en-US" altLang="ko-KR" sz="3358" dirty="0">
-                <a:solidFill>
-                  <a:srgbClr val="ECFDFE"/>
-                </a:solidFill>
-                <a:highlight>
-                  <a:srgbClr val="ECFDFE"/>
-                </a:highlight>
-              </a:rPr>
-              <a:t>0</a:t>
-            </a:r>
-            <a:endParaRPr lang="ko-KR" altLang="en-US" sz="3358" dirty="0">
-              <a:solidFill>
-                <a:srgbClr val="ECFDFE"/>
-              </a:solidFill>
-              <a:highlight>
-                <a:srgbClr val="ECFDFE"/>
-              </a:highlight>
             </a:endParaRPr>
           </a:p>
         </p:txBody>
